--- a/Image colorization and Inpainting/Color Inpainting and colorization.pptx
+++ b/Image colorization and Inpainting/Color Inpainting and colorization.pptx
@@ -9,16 +9,17 @@
     <p:sldId id="257" r:id="rId3"/>
     <p:sldId id="258" r:id="rId4"/>
     <p:sldId id="259" r:id="rId5"/>
-    <p:sldId id="260" r:id="rId6"/>
-    <p:sldId id="261" r:id="rId7"/>
-    <p:sldId id="262" r:id="rId8"/>
-    <p:sldId id="263" r:id="rId9"/>
-    <p:sldId id="264" r:id="rId10"/>
-    <p:sldId id="265" r:id="rId11"/>
-    <p:sldId id="266" r:id="rId12"/>
-    <p:sldId id="268" r:id="rId13"/>
-    <p:sldId id="267" r:id="rId14"/>
-    <p:sldId id="269" r:id="rId15"/>
+    <p:sldId id="270" r:id="rId6"/>
+    <p:sldId id="260" r:id="rId7"/>
+    <p:sldId id="261" r:id="rId8"/>
+    <p:sldId id="262" r:id="rId9"/>
+    <p:sldId id="263" r:id="rId10"/>
+    <p:sldId id="264" r:id="rId11"/>
+    <p:sldId id="265" r:id="rId12"/>
+    <p:sldId id="266" r:id="rId13"/>
+    <p:sldId id="268" r:id="rId14"/>
+    <p:sldId id="267" r:id="rId15"/>
+    <p:sldId id="269" r:id="rId16"/>
   </p:sldIdLst>
   <p:sldSz cx="12192000" cy="6858000"/>
   <p:notesSz cx="6858000" cy="9144000"/>
@@ -128,7 +129,8 @@
 <file path=ppt/revisionInfo.xml><?xml version="1.0" encoding="utf-8"?>
 <p1510:revInfo xmlns:a="http://schemas.openxmlformats.org/drawingml/2006/main" xmlns:r="http://schemas.openxmlformats.org/officeDocument/2006/relationships" xmlns:p1510="http://schemas.microsoft.com/office/powerpoint/2015/10/main">
   <p1510:revLst>
-    <p1510:client id="{66B03D6F-3F65-4EFF-8B3F-0769CCD1408F}" v="3" dt="2022-06-27T09:35:01.272"/>
+    <p1510:client id="{66B03D6F-3F65-4EFF-8B3F-0769CCD1408F}" v="223" dt="2022-06-27T10:52:39.824"/>
+    <p1510:client id="{68A37F31-B682-BD86-1895-96789385893C}" v="453" dt="2022-06-27T11:28:44.022"/>
     <p1510:client id="{6E0B853D-EAF5-6D74-AEDC-8D9C340F9E88}" v="548" dt="2022-06-27T09:31:52.284"/>
   </p1510:revLst>
 </p1510:revInfo>
@@ -137,12 +139,173 @@
 <file path=ppt/changesInfos/changesInfo1.xml><?xml version="1.0" encoding="utf-8"?>
 <pc:chgInfo xmlns:a="http://schemas.openxmlformats.org/drawingml/2006/main" xmlns:r="http://schemas.openxmlformats.org/officeDocument/2006/relationships" xmlns:ac="http://schemas.microsoft.com/office/drawing/2013/main/command" xmlns:pc="http://schemas.microsoft.com/office/powerpoint/2013/main/command">
   <pc:docChgLst>
-    <pc:chgData name="Ajay Maharjan" userId="S::hce075bct006@hcoe.edu.np::f2cc1ed9-89b6-46a3-a295-52ea427d6885" providerId="AD" clId="Web-{66B03D6F-3F65-4EFF-8B3F-0769CCD1408F}"/>
-    <pc:docChg chg="modSld">
-      <pc:chgData name="Ajay Maharjan" userId="S::hce075bct006@hcoe.edu.np::f2cc1ed9-89b6-46a3-a295-52ea427d6885" providerId="AD" clId="Web-{66B03D6F-3F65-4EFF-8B3F-0769CCD1408F}" dt="2022-06-27T09:34:59.037" v="1" actId="20577"/>
+    <pc:chgData name="Ajay Maharjan" userId="S::hce075bct006@hcoe.edu.np::f2cc1ed9-89b6-46a3-a295-52ea427d6885" providerId="AD" clId="Web-{68A37F31-B682-BD86-1895-96789385893C}"/>
+    <pc:docChg chg="addSld modSld">
+      <pc:chgData name="Ajay Maharjan" userId="S::hce075bct006@hcoe.edu.np::f2cc1ed9-89b6-46a3-a295-52ea427d6885" providerId="AD" clId="Web-{68A37F31-B682-BD86-1895-96789385893C}" dt="2022-06-27T11:28:44.022" v="450" actId="20577"/>
       <pc:docMkLst>
         <pc:docMk/>
       </pc:docMkLst>
+      <pc:sldChg chg="modSp">
+        <pc:chgData name="Ajay Maharjan" userId="S::hce075bct006@hcoe.edu.np::f2cc1ed9-89b6-46a3-a295-52ea427d6885" providerId="AD" clId="Web-{68A37F31-B682-BD86-1895-96789385893C}" dt="2022-06-27T10:59:31.800" v="3" actId="20577"/>
+        <pc:sldMkLst>
+          <pc:docMk/>
+          <pc:sldMk cId="1381804168" sldId="257"/>
+        </pc:sldMkLst>
+        <pc:spChg chg="mod">
+          <ac:chgData name="Ajay Maharjan" userId="S::hce075bct006@hcoe.edu.np::f2cc1ed9-89b6-46a3-a295-52ea427d6885" providerId="AD" clId="Web-{68A37F31-B682-BD86-1895-96789385893C}" dt="2022-06-27T10:59:31.800" v="3" actId="20577"/>
+          <ac:spMkLst>
+            <pc:docMk/>
+            <pc:sldMk cId="1381804168" sldId="257"/>
+            <ac:spMk id="43" creationId="{5A1C0E97-1A15-9191-859E-9E6AE37B2524}"/>
+          </ac:spMkLst>
+        </pc:spChg>
+      </pc:sldChg>
+      <pc:sldChg chg="modSp">
+        <pc:chgData name="Ajay Maharjan" userId="S::hce075bct006@hcoe.edu.np::f2cc1ed9-89b6-46a3-a295-52ea427d6885" providerId="AD" clId="Web-{68A37F31-B682-BD86-1895-96789385893C}" dt="2022-06-27T11:28:27.896" v="447" actId="20577"/>
+        <pc:sldMkLst>
+          <pc:docMk/>
+          <pc:sldMk cId="1870114896" sldId="258"/>
+        </pc:sldMkLst>
+        <pc:spChg chg="mod">
+          <ac:chgData name="Ajay Maharjan" userId="S::hce075bct006@hcoe.edu.np::f2cc1ed9-89b6-46a3-a295-52ea427d6885" providerId="AD" clId="Web-{68A37F31-B682-BD86-1895-96789385893C}" dt="2022-06-27T11:28:27.896" v="447" actId="20577"/>
+          <ac:spMkLst>
+            <pc:docMk/>
+            <pc:sldMk cId="1870114896" sldId="258"/>
+            <ac:spMk id="43" creationId="{5A1C0E97-1A15-9191-859E-9E6AE37B2524}"/>
+          </ac:spMkLst>
+        </pc:spChg>
+      </pc:sldChg>
+      <pc:sldChg chg="modSp">
+        <pc:chgData name="Ajay Maharjan" userId="S::hce075bct006@hcoe.edu.np::f2cc1ed9-89b6-46a3-a295-52ea427d6885" providerId="AD" clId="Web-{68A37F31-B682-BD86-1895-96789385893C}" dt="2022-06-27T11:11:46.218" v="139" actId="20577"/>
+        <pc:sldMkLst>
+          <pc:docMk/>
+          <pc:sldMk cId="33576359" sldId="259"/>
+        </pc:sldMkLst>
+        <pc:spChg chg="mod">
+          <ac:chgData name="Ajay Maharjan" userId="S::hce075bct006@hcoe.edu.np::f2cc1ed9-89b6-46a3-a295-52ea427d6885" providerId="AD" clId="Web-{68A37F31-B682-BD86-1895-96789385893C}" dt="2022-06-27T11:11:46.218" v="139" actId="20577"/>
+          <ac:spMkLst>
+            <pc:docMk/>
+            <pc:sldMk cId="33576359" sldId="259"/>
+            <ac:spMk id="3" creationId="{3AE76022-F002-69B0-F0DC-A44AB6AD7A6E}"/>
+          </ac:spMkLst>
+        </pc:spChg>
+      </pc:sldChg>
+      <pc:sldChg chg="addSp delSp modSp">
+        <pc:chgData name="Ajay Maharjan" userId="S::hce075bct006@hcoe.edu.np::f2cc1ed9-89b6-46a3-a295-52ea427d6885" providerId="AD" clId="Web-{68A37F31-B682-BD86-1895-96789385893C}" dt="2022-06-27T11:25:27.171" v="380" actId="20577"/>
+        <pc:sldMkLst>
+          <pc:docMk/>
+          <pc:sldMk cId="4097178766" sldId="260"/>
+        </pc:sldMkLst>
+        <pc:spChg chg="mod">
+          <ac:chgData name="Ajay Maharjan" userId="S::hce075bct006@hcoe.edu.np::f2cc1ed9-89b6-46a3-a295-52ea427d6885" providerId="AD" clId="Web-{68A37F31-B682-BD86-1895-96789385893C}" dt="2022-06-27T11:25:27.171" v="380" actId="20577"/>
+          <ac:spMkLst>
+            <pc:docMk/>
+            <pc:sldMk cId="4097178766" sldId="260"/>
+            <ac:spMk id="3" creationId="{416A42DA-4A19-CCA0-40C7-4EC2EE7F87D6}"/>
+          </ac:spMkLst>
+        </pc:spChg>
+        <pc:spChg chg="add del">
+          <ac:chgData name="Ajay Maharjan" userId="S::hce075bct006@hcoe.edu.np::f2cc1ed9-89b6-46a3-a295-52ea427d6885" providerId="AD" clId="Web-{68A37F31-B682-BD86-1895-96789385893C}" dt="2022-06-27T11:23:41.604" v="324"/>
+          <ac:spMkLst>
+            <pc:docMk/>
+            <pc:sldMk cId="4097178766" sldId="260"/>
+            <ac:spMk id="4" creationId="{9022FECB-2A66-9CE6-F824-586730D57C80}"/>
+          </ac:spMkLst>
+        </pc:spChg>
+      </pc:sldChg>
+      <pc:sldChg chg="modSp">
+        <pc:chgData name="Ajay Maharjan" userId="S::hce075bct006@hcoe.edu.np::f2cc1ed9-89b6-46a3-a295-52ea427d6885" providerId="AD" clId="Web-{68A37F31-B682-BD86-1895-96789385893C}" dt="2022-06-27T11:27:14.909" v="445" actId="20577"/>
+        <pc:sldMkLst>
+          <pc:docMk/>
+          <pc:sldMk cId="1611941707" sldId="261"/>
+        </pc:sldMkLst>
+        <pc:spChg chg="mod">
+          <ac:chgData name="Ajay Maharjan" userId="S::hce075bct006@hcoe.edu.np::f2cc1ed9-89b6-46a3-a295-52ea427d6885" providerId="AD" clId="Web-{68A37F31-B682-BD86-1895-96789385893C}" dt="2022-06-27T11:27:14.909" v="445" actId="20577"/>
+          <ac:spMkLst>
+            <pc:docMk/>
+            <pc:sldMk cId="1611941707" sldId="261"/>
+            <ac:spMk id="3" creationId="{BD01DE55-7534-EEF4-90A1-A721D916463C}"/>
+          </ac:spMkLst>
+        </pc:spChg>
+      </pc:sldChg>
+      <pc:sldChg chg="modSp new">
+        <pc:chgData name="Ajay Maharjan" userId="S::hce075bct006@hcoe.edu.np::f2cc1ed9-89b6-46a3-a295-52ea427d6885" providerId="AD" clId="Web-{68A37F31-B682-BD86-1895-96789385893C}" dt="2022-06-27T11:28:44.022" v="450" actId="20577"/>
+        <pc:sldMkLst>
+          <pc:docMk/>
+          <pc:sldMk cId="1571582896" sldId="270"/>
+        </pc:sldMkLst>
+        <pc:spChg chg="mod">
+          <ac:chgData name="Ajay Maharjan" userId="S::hce075bct006@hcoe.edu.np::f2cc1ed9-89b6-46a3-a295-52ea427d6885" providerId="AD" clId="Web-{68A37F31-B682-BD86-1895-96789385893C}" dt="2022-06-27T11:12:28.454" v="148" actId="20577"/>
+          <ac:spMkLst>
+            <pc:docMk/>
+            <pc:sldMk cId="1571582896" sldId="270"/>
+            <ac:spMk id="2" creationId="{5711CBAF-7C60-6EFC-4981-6EB61D6DE971}"/>
+          </ac:spMkLst>
+        </pc:spChg>
+        <pc:spChg chg="mod">
+          <ac:chgData name="Ajay Maharjan" userId="S::hce075bct006@hcoe.edu.np::f2cc1ed9-89b6-46a3-a295-52ea427d6885" providerId="AD" clId="Web-{68A37F31-B682-BD86-1895-96789385893C}" dt="2022-06-27T11:28:44.022" v="450" actId="20577"/>
+          <ac:spMkLst>
+            <pc:docMk/>
+            <pc:sldMk cId="1571582896" sldId="270"/>
+            <ac:spMk id="3" creationId="{20327F2A-EE1C-8242-FBEB-CC2BBA476C2A}"/>
+          </ac:spMkLst>
+        </pc:spChg>
+      </pc:sldChg>
+    </pc:docChg>
+  </pc:docChgLst>
+  <pc:docChgLst>
+    <pc:chgData name="Ajay Maharjan" userId="S::hce075bct006@hcoe.edu.np::f2cc1ed9-89b6-46a3-a295-52ea427d6885" providerId="AD" clId="Web-{66B03D6F-3F65-4EFF-8B3F-0769CCD1408F}"/>
+    <pc:docChg chg="modSld">
+      <pc:chgData name="Ajay Maharjan" userId="S::hce075bct006@hcoe.edu.np::f2cc1ed9-89b6-46a3-a295-52ea427d6885" providerId="AD" clId="Web-{66B03D6F-3F65-4EFF-8B3F-0769CCD1408F}" dt="2022-06-27T10:52:39.824" v="225" actId="20577"/>
+      <pc:docMkLst>
+        <pc:docMk/>
+      </pc:docMkLst>
+      <pc:sldChg chg="modSp">
+        <pc:chgData name="Ajay Maharjan" userId="S::hce075bct006@hcoe.edu.np::f2cc1ed9-89b6-46a3-a295-52ea427d6885" providerId="AD" clId="Web-{66B03D6F-3F65-4EFF-8B3F-0769CCD1408F}" dt="2022-06-27T10:52:39.824" v="225" actId="20577"/>
+        <pc:sldMkLst>
+          <pc:docMk/>
+          <pc:sldMk cId="109857222" sldId="256"/>
+        </pc:sldMkLst>
+        <pc:spChg chg="mod">
+          <ac:chgData name="Ajay Maharjan" userId="S::hce075bct006@hcoe.edu.np::f2cc1ed9-89b6-46a3-a295-52ea427d6885" providerId="AD" clId="Web-{66B03D6F-3F65-4EFF-8B3F-0769CCD1408F}" dt="2022-06-27T10:51:07.693" v="190" actId="14100"/>
+          <ac:spMkLst>
+            <pc:docMk/>
+            <pc:sldMk cId="109857222" sldId="256"/>
+            <ac:spMk id="2" creationId="{00000000-0000-0000-0000-000000000000}"/>
+          </ac:spMkLst>
+        </pc:spChg>
+        <pc:spChg chg="mod">
+          <ac:chgData name="Ajay Maharjan" userId="S::hce075bct006@hcoe.edu.np::f2cc1ed9-89b6-46a3-a295-52ea427d6885" providerId="AD" clId="Web-{66B03D6F-3F65-4EFF-8B3F-0769CCD1408F}" dt="2022-06-27T10:52:39.824" v="225" actId="20577"/>
+          <ac:spMkLst>
+            <pc:docMk/>
+            <pc:sldMk cId="109857222" sldId="256"/>
+            <ac:spMk id="3" creationId="{00000000-0000-0000-0000-000000000000}"/>
+          </ac:spMkLst>
+        </pc:spChg>
+      </pc:sldChg>
+      <pc:sldChg chg="addSp delSp modSp">
+        <pc:chgData name="Ajay Maharjan" userId="S::hce075bct006@hcoe.edu.np::f2cc1ed9-89b6-46a3-a295-52ea427d6885" providerId="AD" clId="Web-{66B03D6F-3F65-4EFF-8B3F-0769CCD1408F}" dt="2022-06-27T10:50:50.067" v="189" actId="20577"/>
+        <pc:sldMkLst>
+          <pc:docMk/>
+          <pc:sldMk cId="1381804168" sldId="257"/>
+        </pc:sldMkLst>
+        <pc:spChg chg="add del">
+          <ac:chgData name="Ajay Maharjan" userId="S::hce075bct006@hcoe.edu.np::f2cc1ed9-89b6-46a3-a295-52ea427d6885" providerId="AD" clId="Web-{66B03D6F-3F65-4EFF-8B3F-0769CCD1408F}" dt="2022-06-27T10:32:38.910" v="3"/>
+          <ac:spMkLst>
+            <pc:docMk/>
+            <pc:sldMk cId="1381804168" sldId="257"/>
+            <ac:spMk id="3" creationId="{F213C77C-987C-DFDD-131E-3E55B0CBBE38}"/>
+          </ac:spMkLst>
+        </pc:spChg>
+        <pc:spChg chg="mod">
+          <ac:chgData name="Ajay Maharjan" userId="S::hce075bct006@hcoe.edu.np::f2cc1ed9-89b6-46a3-a295-52ea427d6885" providerId="AD" clId="Web-{66B03D6F-3F65-4EFF-8B3F-0769CCD1408F}" dt="2022-06-27T10:50:50.067" v="189" actId="20577"/>
+          <ac:spMkLst>
+            <pc:docMk/>
+            <pc:sldMk cId="1381804168" sldId="257"/>
+            <ac:spMk id="43" creationId="{5A1C0E97-1A15-9191-859E-9E6AE37B2524}"/>
+          </ac:spMkLst>
+        </pc:spChg>
+      </pc:sldChg>
       <pc:sldChg chg="modSp">
         <pc:chgData name="Ajay Maharjan" userId="S::hce075bct006@hcoe.edu.np::f2cc1ed9-89b6-46a3-a295-52ea427d6885" providerId="AD" clId="Web-{66B03D6F-3F65-4EFF-8B3F-0769CCD1408F}" dt="2022-06-27T09:34:33.318" v="0" actId="1076"/>
         <pc:sldMkLst>
@@ -3034,8 +3197,8 @@
         </p:nvSpPr>
         <p:spPr>
           <a:xfrm>
-            <a:off x="8280524" y="4718903"/>
-            <a:ext cx="3525620" cy="1793487"/>
+            <a:off x="7518525" y="4718903"/>
+            <a:ext cx="4287619" cy="1793487"/>
           </a:xfrm>
         </p:spPr>
         <p:txBody>
@@ -3131,8 +3294,8 @@
         </p:nvSpPr>
         <p:spPr>
           <a:xfrm>
-            <a:off x="1097280" y="991922"/>
-            <a:ext cx="10015653" cy="3602380"/>
+            <a:off x="1097280" y="478215"/>
+            <a:ext cx="10015653" cy="4116087"/>
           </a:xfrm>
         </p:spPr>
         <p:txBody>
@@ -3142,42 +3305,42 @@
           <a:lstStyle/>
           <a:p>
             <a:r>
-              <a:rPr lang="en-US" sz="2000" dirty="0">
+              <a:rPr lang="en-US" sz="2200" dirty="0">
                 <a:latin typeface="Times New Roman"/>
                 <a:ea typeface="+mn-lt"/>
                 <a:cs typeface="+mn-lt"/>
               </a:rPr>
               <a:t>A FINAL YEAR MAJOR PROJECT </a:t>
             </a:r>
-            <a:endParaRPr lang="en-US" sz="2000">
+            <a:endParaRPr lang="en-US" sz="2200">
               <a:latin typeface="Times New Roman"/>
               <a:cs typeface="Times New Roman"/>
             </a:endParaRPr>
           </a:p>
           <a:p>
             <a:r>
-              <a:rPr lang="en-US" sz="2000" dirty="0">
+              <a:rPr lang="en-US" sz="2200" dirty="0">
                 <a:latin typeface="Times New Roman"/>
                 <a:ea typeface="+mn-lt"/>
                 <a:cs typeface="+mn-lt"/>
               </a:rPr>
               <a:t>ON</a:t>
             </a:r>
-            <a:endParaRPr lang="en-US" sz="2000">
+            <a:endParaRPr lang="en-US" sz="2200">
               <a:latin typeface="Times New Roman"/>
               <a:cs typeface="Times New Roman"/>
             </a:endParaRPr>
           </a:p>
           <a:p>
             <a:r>
-              <a:rPr lang="en-US" sz="2000" b="1" dirty="0">
+              <a:rPr lang="en-US" sz="2200" b="1" dirty="0">
                 <a:latin typeface="Times New Roman"/>
                 <a:ea typeface="+mn-lt"/>
                 <a:cs typeface="+mn-lt"/>
               </a:rPr>
-              <a:t>Image Colorization and Inpainting </a:t>
-            </a:r>
-            <a:endParaRPr lang="en-US" sz="2000">
+              <a:t>Image Colorization and Inpainting Using Convolutional Neural Network(CNN)</a:t>
+            </a:r>
+            <a:endParaRPr lang="en-US" sz="2200" dirty="0">
               <a:latin typeface="Times New Roman"/>
               <a:ea typeface="+mn-lt"/>
               <a:cs typeface="+mn-lt"/>
@@ -3185,77 +3348,72 @@
           </a:p>
           <a:p>
             <a:r>
-              <a:rPr lang="en-US" sz="2000" b="1" dirty="0">
+              <a:rPr lang="en-US" sz="2200" b="1" dirty="0">
                 <a:latin typeface="Times New Roman"/>
                 <a:ea typeface="+mn-lt"/>
                 <a:cs typeface="+mn-lt"/>
               </a:rPr>
-              <a:t>using</a:t>
-            </a:r>
-            <a:endParaRPr lang="en-US" sz="2000">
-              <a:latin typeface="Times New Roman"/>
-              <a:ea typeface="+mn-lt"/>
-              <a:cs typeface="+mn-lt"/>
-            </a:endParaRPr>
-          </a:p>
-          <a:p>
-            <a:r>
-              <a:rPr lang="en-US" sz="2000" b="1" dirty="0">
+              <a:t>And</a:t>
+            </a:r>
+          </a:p>
+          <a:p>
+            <a:r>
+              <a:rPr lang="en-US" sz="2200" b="1" dirty="0">
                 <a:latin typeface="Times New Roman"/>
                 <a:ea typeface="+mn-lt"/>
                 <a:cs typeface="+mn-lt"/>
               </a:rPr>
               <a:t> Generative Adversarial Networks(GAN)</a:t>
             </a:r>
-            <a:endParaRPr lang="en-US" sz="2000">
+            <a:endParaRPr lang="en-US" sz="2200">
               <a:latin typeface="Times New Roman"/>
               <a:cs typeface="Calibri"/>
             </a:endParaRPr>
           </a:p>
           <a:p>
             <a:r>
-              <a:rPr lang="en-US" sz="2000" dirty="0">
+              <a:rPr lang="en-US" sz="2200" dirty="0">
                 <a:latin typeface="Times New Roman"/>
                 <a:ea typeface="+mn-lt"/>
                 <a:cs typeface="+mn-lt"/>
               </a:rPr>
               <a:t>[CT 707]</a:t>
             </a:r>
-            <a:endParaRPr lang="en-US" sz="2000">
+            <a:endParaRPr lang="en-US" sz="2200">
               <a:latin typeface="Times New Roman"/>
               <a:cs typeface="Times New Roman"/>
             </a:endParaRPr>
           </a:p>
           <a:p>
-            <a:endParaRPr lang="en-US" sz="2000" b="1" dirty="0">
+            <a:endParaRPr lang="en-US" sz="2200" b="1" dirty="0">
               <a:latin typeface="Times New Roman"/>
               <a:cs typeface="Times New Roman"/>
             </a:endParaRPr>
           </a:p>
           <a:p>
             <a:r>
-              <a:rPr lang="en-US" sz="2000" b="1" dirty="0">
+              <a:rPr lang="en-US" sz="2200" b="1" dirty="0">
                 <a:latin typeface="Times New Roman"/>
                 <a:ea typeface="+mn-lt"/>
                 <a:cs typeface="+mn-lt"/>
               </a:rPr>
               <a:t>SUBMITTED TO:</a:t>
             </a:r>
-            <a:endParaRPr lang="en-US" sz="2000" b="1" dirty="0">
+            <a:endParaRPr lang="en-US" sz="2200" b="1" dirty="0">
               <a:latin typeface="Times New Roman"/>
               <a:cs typeface="Times New Roman"/>
             </a:endParaRPr>
           </a:p>
           <a:p>
             <a:r>
-              <a:rPr lang="en-US" sz="2000" dirty="0">
+              <a:rPr lang="en-US" sz="2200" dirty="0">
                 <a:latin typeface="Times New Roman"/>
                 <a:ea typeface="+mn-lt"/>
                 <a:cs typeface="+mn-lt"/>
               </a:rPr>
               <a:t>DEPARTMENT OF ELECTRONICS AND COMPUTER ENGINEERING</a:t>
             </a:r>
-            <a:endParaRPr lang="en-US" sz="2000">
+            <a:endParaRPr lang="en-US" sz="2200">
               <a:latin typeface="Times New Roman"/>
               <a:cs typeface="Times New Roman"/>
             </a:endParaRPr>
@@ -3381,12 +3539,12 @@
         </p:nvSpPr>
         <p:spPr>
           <a:xfrm>
-            <a:off x="643467" y="714322"/>
-            <a:ext cx="10905066" cy="5648494"/>
-          </a:xfrm>
-        </p:spPr>
-        <p:txBody>
-          <a:bodyPr vert="horz" lIns="91440" tIns="45720" rIns="91440" bIns="45720" rtlCol="0" anchor="t">
+            <a:off x="708516" y="993103"/>
+            <a:ext cx="10905066" cy="5416177"/>
+          </a:xfrm>
+        </p:spPr>
+        <p:txBody>
+          <a:bodyPr vert="horz" lIns="91440" tIns="45720" rIns="91440" bIns="45720" rtlCol="0">
             <a:normAutofit/>
           </a:bodyPr>
           <a:lstStyle/>
@@ -3399,7 +3557,7 @@
                 <a:latin typeface="Times New Roman"/>
                 <a:cs typeface="Calibri" panose="020F0502020204030204"/>
               </a:rPr>
-              <a:t>Data Flow Diagram Level 1</a:t>
+              <a:t>Data Flow Diagram Level 0</a:t>
             </a:r>
           </a:p>
           <a:p>
@@ -3684,7 +3842,7 @@
     </p:spTree>
     <p:extLst>
       <p:ext uri="{BB962C8B-B14F-4D97-AF65-F5344CB8AC3E}">
-        <p14:creationId xmlns:p14="http://schemas.microsoft.com/office/powerpoint/2010/main" val="885978397"/>
+        <p14:creationId xmlns:p14="http://schemas.microsoft.com/office/powerpoint/2010/main" val="134147980"/>
       </p:ext>
     </p:extLst>
   </p:cSld>
@@ -3784,51 +3942,10 @@
       </p:sp>
       <p:sp>
         <p:nvSpPr>
-          <p:cNvPr id="2" name="Title 1">
-            <a:extLst>
-              <a:ext uri="{FF2B5EF4-FFF2-40B4-BE49-F238E27FC236}">
-                <a16:creationId xmlns:a16="http://schemas.microsoft.com/office/drawing/2014/main" id="{B8050FB9-3229-A12F-6042-CE2B749FBB33}"/>
-              </a:ext>
-            </a:extLst>
-          </p:cNvPr>
-          <p:cNvSpPr>
-            <a:spLocks noGrp="1"/>
-          </p:cNvSpPr>
-          <p:nvPr>
-            <p:ph type="title"/>
-          </p:nvPr>
-        </p:nvSpPr>
-        <p:spPr>
-          <a:xfrm>
-            <a:off x="643467" y="321734"/>
-            <a:ext cx="10905066" cy="1135737"/>
-          </a:xfrm>
-        </p:spPr>
-        <p:txBody>
-          <a:bodyPr>
-            <a:normAutofit/>
-          </a:bodyPr>
-          <a:lstStyle/>
-          <a:p>
-            <a:r>
-              <a:rPr lang="en-US" sz="3000" dirty="0">
-                <a:latin typeface="Times New Roman"/>
-                <a:cs typeface="Calibri Light"/>
-              </a:rPr>
-              <a:t>Methodology</a:t>
-            </a:r>
-            <a:endParaRPr lang="en-US" sz="3000" dirty="0">
-              <a:latin typeface="Times New Roman"/>
-            </a:endParaRPr>
-          </a:p>
-        </p:txBody>
-      </p:sp>
-      <p:sp>
-        <p:nvSpPr>
           <p:cNvPr id="3" name="Content Placeholder 2">
             <a:extLst>
               <a:ext uri="{FF2B5EF4-FFF2-40B4-BE49-F238E27FC236}">
-                <a16:creationId xmlns:a16="http://schemas.microsoft.com/office/drawing/2014/main" id="{9BBAB918-2A02-F93B-9052-4E593D3098FD}"/>
+                <a16:creationId xmlns:a16="http://schemas.microsoft.com/office/drawing/2014/main" id="{F8ABE153-B0FD-8229-ED94-3386D1633874}"/>
               </a:ext>
             </a:extLst>
           </p:cNvPr>
@@ -3841,8 +3958,8 @@
         </p:nvSpPr>
         <p:spPr>
           <a:xfrm>
-            <a:off x="643467" y="1420567"/>
-            <a:ext cx="10905066" cy="4756396"/>
+            <a:off x="643467" y="714322"/>
+            <a:ext cx="10905066" cy="5648494"/>
           </a:xfrm>
         </p:spPr>
         <p:txBody>
@@ -3855,12 +3972,21 @@
               <a:buNone/>
             </a:pPr>
             <a:r>
-              <a:rPr lang="en-US" sz="2000" dirty="0">
+              <a:rPr lang="en-US" sz="2000" i="1" dirty="0">
                 <a:latin typeface="Times New Roman"/>
                 <a:cs typeface="Calibri" panose="020F0502020204030204"/>
               </a:rPr>
-              <a:t>System Block diagram</a:t>
-            </a:r>
+              <a:t>Data Flow Diagram Level 1</a:t>
+            </a:r>
+          </a:p>
+          <a:p>
+            <a:pPr marL="0" indent="0">
+              <a:buNone/>
+            </a:pPr>
+            <a:endParaRPr lang="en-US" sz="2000" dirty="0">
+              <a:latin typeface="Times New Roman"/>
+              <a:cs typeface="Calibri" panose="020F0502020204030204"/>
+            </a:endParaRPr>
           </a:p>
         </p:txBody>
       </p:sp>
@@ -4135,7 +4261,7 @@
     </p:spTree>
     <p:extLst>
       <p:ext uri="{BB962C8B-B14F-4D97-AF65-F5344CB8AC3E}">
-        <p14:creationId xmlns:p14="http://schemas.microsoft.com/office/powerpoint/2010/main" val="229864847"/>
+        <p14:creationId xmlns:p14="http://schemas.microsoft.com/office/powerpoint/2010/main" val="885978397"/>
       </p:ext>
     </p:extLst>
   </p:cSld>
@@ -4238,7 +4364,7 @@
           <p:cNvPr id="2" name="Title 1">
             <a:extLst>
               <a:ext uri="{FF2B5EF4-FFF2-40B4-BE49-F238E27FC236}">
-                <a16:creationId xmlns:a16="http://schemas.microsoft.com/office/drawing/2014/main" id="{508F1857-323E-08C6-25D9-78E8C480AD6A}"/>
+                <a16:creationId xmlns:a16="http://schemas.microsoft.com/office/drawing/2014/main" id="{B8050FB9-3229-A12F-6042-CE2B749FBB33}"/>
               </a:ext>
             </a:extLst>
           </p:cNvPr>
@@ -4261,7 +4387,16 @@
           </a:bodyPr>
           <a:lstStyle/>
           <a:p>
-            <a:endParaRPr lang="en-US" sz="3600"/>
+            <a:r>
+              <a:rPr lang="en-US" sz="3000" dirty="0">
+                <a:latin typeface="Times New Roman"/>
+                <a:cs typeface="Calibri Light"/>
+              </a:rPr>
+              <a:t>Methodology</a:t>
+            </a:r>
+            <a:endParaRPr lang="en-US" sz="3000" dirty="0">
+              <a:latin typeface="Times New Roman"/>
+            </a:endParaRPr>
           </a:p>
         </p:txBody>
       </p:sp>
@@ -4270,7 +4405,7 @@
           <p:cNvPr id="3" name="Content Placeholder 2">
             <a:extLst>
               <a:ext uri="{FF2B5EF4-FFF2-40B4-BE49-F238E27FC236}">
-                <a16:creationId xmlns:a16="http://schemas.microsoft.com/office/drawing/2014/main" id="{A71E7746-F2D2-121B-BAF0-A7DD5CA3AC66}"/>
+                <a16:creationId xmlns:a16="http://schemas.microsoft.com/office/drawing/2014/main" id="{9BBAB918-2A02-F93B-9052-4E593D3098FD}"/>
               </a:ext>
             </a:extLst>
           </p:cNvPr>
@@ -4283,17 +4418,26 @@
         </p:nvSpPr>
         <p:spPr>
           <a:xfrm>
-            <a:off x="643467" y="1782981"/>
-            <a:ext cx="10905066" cy="4393982"/>
-          </a:xfrm>
-        </p:spPr>
-        <p:txBody>
-          <a:bodyPr>
+            <a:off x="643467" y="1420567"/>
+            <a:ext cx="10905066" cy="4756396"/>
+          </a:xfrm>
+        </p:spPr>
+        <p:txBody>
+          <a:bodyPr vert="horz" lIns="91440" tIns="45720" rIns="91440" bIns="45720" rtlCol="0" anchor="t">
             <a:normAutofit/>
           </a:bodyPr>
           <a:lstStyle/>
           <a:p>
-            <a:endParaRPr lang="en-US" sz="2000"/>
+            <a:pPr marL="0" indent="0">
+              <a:buNone/>
+            </a:pPr>
+            <a:r>
+              <a:rPr lang="en-US" sz="2000" dirty="0">
+                <a:latin typeface="Times New Roman"/>
+                <a:cs typeface="Calibri" panose="020F0502020204030204"/>
+              </a:rPr>
+              <a:t>System Block diagram</a:t>
+            </a:r>
           </a:p>
         </p:txBody>
       </p:sp>
@@ -4568,7 +4712,7 @@
     </p:spTree>
     <p:extLst>
       <p:ext uri="{BB962C8B-B14F-4D97-AF65-F5344CB8AC3E}">
-        <p14:creationId xmlns:p14="http://schemas.microsoft.com/office/powerpoint/2010/main" val="30016698"/>
+        <p14:creationId xmlns:p14="http://schemas.microsoft.com/office/powerpoint/2010/main" val="229864847"/>
       </p:ext>
     </p:extLst>
   </p:cSld>
@@ -4671,6 +4815,439 @@
           <p:cNvPr id="2" name="Title 1">
             <a:extLst>
               <a:ext uri="{FF2B5EF4-FFF2-40B4-BE49-F238E27FC236}">
+                <a16:creationId xmlns:a16="http://schemas.microsoft.com/office/drawing/2014/main" id="{508F1857-323E-08C6-25D9-78E8C480AD6A}"/>
+              </a:ext>
+            </a:extLst>
+          </p:cNvPr>
+          <p:cNvSpPr>
+            <a:spLocks noGrp="1"/>
+          </p:cNvSpPr>
+          <p:nvPr>
+            <p:ph type="title"/>
+          </p:nvPr>
+        </p:nvSpPr>
+        <p:spPr>
+          <a:xfrm>
+            <a:off x="643467" y="321734"/>
+            <a:ext cx="10905066" cy="1135737"/>
+          </a:xfrm>
+        </p:spPr>
+        <p:txBody>
+          <a:bodyPr>
+            <a:normAutofit/>
+          </a:bodyPr>
+          <a:lstStyle/>
+          <a:p>
+            <a:endParaRPr lang="en-US" sz="3600"/>
+          </a:p>
+        </p:txBody>
+      </p:sp>
+      <p:sp>
+        <p:nvSpPr>
+          <p:cNvPr id="3" name="Content Placeholder 2">
+            <a:extLst>
+              <a:ext uri="{FF2B5EF4-FFF2-40B4-BE49-F238E27FC236}">
+                <a16:creationId xmlns:a16="http://schemas.microsoft.com/office/drawing/2014/main" id="{A71E7746-F2D2-121B-BAF0-A7DD5CA3AC66}"/>
+              </a:ext>
+            </a:extLst>
+          </p:cNvPr>
+          <p:cNvSpPr>
+            <a:spLocks noGrp="1"/>
+          </p:cNvSpPr>
+          <p:nvPr>
+            <p:ph idx="1"/>
+          </p:nvPr>
+        </p:nvSpPr>
+        <p:spPr>
+          <a:xfrm>
+            <a:off x="643467" y="1782981"/>
+            <a:ext cx="10905066" cy="4393982"/>
+          </a:xfrm>
+        </p:spPr>
+        <p:txBody>
+          <a:bodyPr>
+            <a:normAutofit/>
+          </a:bodyPr>
+          <a:lstStyle/>
+          <a:p>
+            <a:endParaRPr lang="en-US" sz="2000"/>
+          </a:p>
+        </p:txBody>
+      </p:sp>
+      <p:sp>
+        <p:nvSpPr>
+          <p:cNvPr id="10" name="Rectangle 9">
+            <a:extLst>
+              <a:ext uri="{FF2B5EF4-FFF2-40B4-BE49-F238E27FC236}">
+                <a16:creationId xmlns:a16="http://schemas.microsoft.com/office/drawing/2014/main" id="{2E80C965-DB6D-4F81-9E9E-B027384D0BD6}"/>
+              </a:ext>
+              <a:ext uri="{C183D7F6-B498-43B3-948B-1728B52AA6E4}">
+                <adec:decorative xmlns:adec="http://schemas.microsoft.com/office/drawing/2017/decorative" val="1"/>
+              </a:ext>
+            </a:extLst>
+          </p:cNvPr>
+          <p:cNvSpPr>
+            <a:spLocks noGrp="1" noRot="1" noChangeAspect="1" noMove="1" noResize="1" noEditPoints="1" noAdjustHandles="1" noChangeArrowheads="1" noChangeShapeType="1" noTextEdit="1"/>
+          </p:cNvSpPr>
+          <p:nvPr>
+            <p:extLst>
+              <p:ext uri="{386F3935-93C4-4BCD-93E2-E3B085C9AB24}">
+                <p16:designElem xmlns:p16="http://schemas.microsoft.com/office/powerpoint/2015/main" val="1"/>
+              </p:ext>
+            </p:extLst>
+          </p:nvPr>
+        </p:nvSpPr>
+        <p:spPr>
+          <a:xfrm rot="2700000">
+            <a:off x="11052629" y="2120024"/>
+            <a:ext cx="645368" cy="645368"/>
+          </a:xfrm>
+          <a:prstGeom prst="rect">
+            <a:avLst/>
+          </a:prstGeom>
+          <a:solidFill>
+            <a:schemeClr val="accent4">
+              <a:alpha val="30000"/>
+            </a:schemeClr>
+          </a:solidFill>
+          <a:ln>
+            <a:noFill/>
+          </a:ln>
+        </p:spPr>
+        <p:style>
+          <a:lnRef idx="2">
+            <a:schemeClr val="accent1">
+              <a:shade val="50000"/>
+            </a:schemeClr>
+          </a:lnRef>
+          <a:fillRef idx="1">
+            <a:schemeClr val="accent1"/>
+          </a:fillRef>
+          <a:effectRef idx="0">
+            <a:schemeClr val="accent1"/>
+          </a:effectRef>
+          <a:fontRef idx="minor">
+            <a:schemeClr val="lt1"/>
+          </a:fontRef>
+        </p:style>
+        <p:txBody>
+          <a:bodyPr rtlCol="0" anchor="ctr"/>
+          <a:lstStyle/>
+          <a:p>
+            <a:pPr algn="ctr"/>
+            <a:endParaRPr lang="en-US"/>
+          </a:p>
+        </p:txBody>
+      </p:sp>
+      <p:sp>
+        <p:nvSpPr>
+          <p:cNvPr id="12" name="Isosceles Triangle 11">
+            <a:extLst>
+              <a:ext uri="{FF2B5EF4-FFF2-40B4-BE49-F238E27FC236}">
+                <a16:creationId xmlns:a16="http://schemas.microsoft.com/office/drawing/2014/main" id="{A580F890-B085-4E95-96AA-55AEBEC5CE6E}"/>
+              </a:ext>
+              <a:ext uri="{C183D7F6-B498-43B3-948B-1728B52AA6E4}">
+                <adec:decorative xmlns:adec="http://schemas.microsoft.com/office/drawing/2017/decorative" val="1"/>
+              </a:ext>
+            </a:extLst>
+          </p:cNvPr>
+          <p:cNvSpPr>
+            <a:spLocks noGrp="1" noRot="1" noChangeAspect="1" noMove="1" noResize="1" noEditPoints="1" noAdjustHandles="1" noChangeArrowheads="1" noChangeShapeType="1" noTextEdit="1"/>
+          </p:cNvSpPr>
+          <p:nvPr>
+            <p:extLst>
+              <p:ext uri="{386F3935-93C4-4BCD-93E2-E3B085C9AB24}">
+                <p16:designElem xmlns:p16="http://schemas.microsoft.com/office/powerpoint/2015/main" val="1"/>
+              </p:ext>
+            </p:extLst>
+          </p:nvPr>
+        </p:nvSpPr>
+        <p:spPr>
+          <a:xfrm rot="16200000">
+            <a:off x="10289068" y="1343027"/>
+            <a:ext cx="2532832" cy="1273032"/>
+          </a:xfrm>
+          <a:prstGeom prst="triangle">
+            <a:avLst>
+              <a:gd name="adj" fmla="val 50000"/>
+            </a:avLst>
+          </a:prstGeom>
+          <a:solidFill>
+            <a:schemeClr val="accent4">
+              <a:alpha val="30000"/>
+            </a:schemeClr>
+          </a:solidFill>
+          <a:ln>
+            <a:noFill/>
+          </a:ln>
+        </p:spPr>
+        <p:style>
+          <a:lnRef idx="2">
+            <a:schemeClr val="accent1">
+              <a:shade val="50000"/>
+            </a:schemeClr>
+          </a:lnRef>
+          <a:fillRef idx="1">
+            <a:schemeClr val="accent1"/>
+          </a:fillRef>
+          <a:effectRef idx="0">
+            <a:schemeClr val="accent1"/>
+          </a:effectRef>
+          <a:fontRef idx="minor">
+            <a:schemeClr val="lt1"/>
+          </a:fontRef>
+        </p:style>
+        <p:txBody>
+          <a:bodyPr rtlCol="0" anchor="ctr"/>
+          <a:lstStyle/>
+          <a:p>
+            <a:pPr algn="ctr"/>
+            <a:endParaRPr lang="en-US"/>
+          </a:p>
+        </p:txBody>
+      </p:sp>
+      <p:sp>
+        <p:nvSpPr>
+          <p:cNvPr id="14" name="Isosceles Triangle 13">
+            <a:extLst>
+              <a:ext uri="{FF2B5EF4-FFF2-40B4-BE49-F238E27FC236}">
+                <a16:creationId xmlns:a16="http://schemas.microsoft.com/office/drawing/2014/main" id="{D3F51FEB-38FB-4F6C-9F7B-2F2AFAB65463}"/>
+              </a:ext>
+              <a:ext uri="{C183D7F6-B498-43B3-948B-1728B52AA6E4}">
+                <adec:decorative xmlns:adec="http://schemas.microsoft.com/office/drawing/2017/decorative" val="1"/>
+              </a:ext>
+            </a:extLst>
+          </p:cNvPr>
+          <p:cNvSpPr>
+            <a:spLocks noGrp="1" noRot="1" noChangeAspect="1" noMove="1" noResize="1" noEditPoints="1" noAdjustHandles="1" noChangeArrowheads="1" noChangeShapeType="1" noTextEdit="1"/>
+          </p:cNvSpPr>
+          <p:nvPr>
+            <p:extLst>
+              <p:ext uri="{386F3935-93C4-4BCD-93E2-E3B085C9AB24}">
+                <p16:designElem xmlns:p16="http://schemas.microsoft.com/office/powerpoint/2015/main" val="1"/>
+              </p:ext>
+            </p:extLst>
+          </p:nvPr>
+        </p:nvSpPr>
+        <p:spPr>
+          <a:xfrm rot="5400000">
+            <a:off x="-501760" y="5103257"/>
+            <a:ext cx="2017580" cy="1014060"/>
+          </a:xfrm>
+          <a:prstGeom prst="triangle">
+            <a:avLst>
+              <a:gd name="adj" fmla="val 50000"/>
+            </a:avLst>
+          </a:prstGeom>
+          <a:solidFill>
+            <a:schemeClr val="accent1">
+              <a:alpha val="30000"/>
+            </a:schemeClr>
+          </a:solidFill>
+          <a:ln>
+            <a:noFill/>
+          </a:ln>
+        </p:spPr>
+        <p:style>
+          <a:lnRef idx="2">
+            <a:schemeClr val="accent1">
+              <a:shade val="50000"/>
+            </a:schemeClr>
+          </a:lnRef>
+          <a:fillRef idx="1">
+            <a:schemeClr val="accent1"/>
+          </a:fillRef>
+          <a:effectRef idx="0">
+            <a:schemeClr val="accent1"/>
+          </a:effectRef>
+          <a:fontRef idx="minor">
+            <a:schemeClr val="lt1"/>
+          </a:fontRef>
+        </p:style>
+        <p:txBody>
+          <a:bodyPr wrap="square" rtlCol="0" anchor="ctr">
+            <a:noAutofit/>
+          </a:bodyPr>
+          <a:lstStyle/>
+          <a:p>
+            <a:pPr algn="ctr"/>
+            <a:endParaRPr lang="en-US"/>
+          </a:p>
+        </p:txBody>
+      </p:sp>
+      <p:sp>
+        <p:nvSpPr>
+          <p:cNvPr id="16" name="Rectangle 15">
+            <a:extLst>
+              <a:ext uri="{FF2B5EF4-FFF2-40B4-BE49-F238E27FC236}">
+                <a16:creationId xmlns:a16="http://schemas.microsoft.com/office/drawing/2014/main" id="{1E547BA6-BAE0-43BB-A7CA-60F69CE252F0}"/>
+              </a:ext>
+              <a:ext uri="{C183D7F6-B498-43B3-948B-1728B52AA6E4}">
+                <adec:decorative xmlns:adec="http://schemas.microsoft.com/office/drawing/2017/decorative" val="1"/>
+              </a:ext>
+            </a:extLst>
+          </p:cNvPr>
+          <p:cNvSpPr>
+            <a:spLocks noGrp="1" noRot="1" noChangeAspect="1" noMove="1" noResize="1" noEditPoints="1" noAdjustHandles="1" noChangeArrowheads="1" noChangeShapeType="1" noTextEdit="1"/>
+          </p:cNvSpPr>
+          <p:nvPr>
+            <p:extLst>
+              <p:ext uri="{386F3935-93C4-4BCD-93E2-E3B085C9AB24}">
+                <p16:designElem xmlns:p16="http://schemas.microsoft.com/office/powerpoint/2015/main" val="1"/>
+              </p:ext>
+            </p:extLst>
+          </p:nvPr>
+        </p:nvSpPr>
+        <p:spPr>
+          <a:xfrm rot="2700000">
+            <a:off x="427916" y="5728708"/>
+            <a:ext cx="485578" cy="485578"/>
+          </a:xfrm>
+          <a:prstGeom prst="rect">
+            <a:avLst/>
+          </a:prstGeom>
+          <a:solidFill>
+            <a:schemeClr val="accent1">
+              <a:alpha val="30000"/>
+            </a:schemeClr>
+          </a:solidFill>
+          <a:ln>
+            <a:noFill/>
+          </a:ln>
+        </p:spPr>
+        <p:style>
+          <a:lnRef idx="2">
+            <a:schemeClr val="accent1">
+              <a:shade val="50000"/>
+            </a:schemeClr>
+          </a:lnRef>
+          <a:fillRef idx="1">
+            <a:schemeClr val="accent1"/>
+          </a:fillRef>
+          <a:effectRef idx="0">
+            <a:schemeClr val="accent1"/>
+          </a:effectRef>
+          <a:fontRef idx="minor">
+            <a:schemeClr val="lt1"/>
+          </a:fontRef>
+        </p:style>
+        <p:txBody>
+          <a:bodyPr wrap="square" rtlCol="0" anchor="ctr">
+            <a:noAutofit/>
+          </a:bodyPr>
+          <a:lstStyle/>
+          <a:p>
+            <a:pPr algn="ctr"/>
+            <a:endParaRPr lang="en-US"/>
+          </a:p>
+        </p:txBody>
+      </p:sp>
+    </p:spTree>
+    <p:extLst>
+      <p:ext uri="{BB962C8B-B14F-4D97-AF65-F5344CB8AC3E}">
+        <p14:creationId xmlns:p14="http://schemas.microsoft.com/office/powerpoint/2010/main" val="30016698"/>
+      </p:ext>
+    </p:extLst>
+  </p:cSld>
+  <p:clrMapOvr>
+    <a:masterClrMapping/>
+  </p:clrMapOvr>
+</p:sld>
+</file>
+
+<file path=ppt/slides/slide14.xml><?xml version="1.0" encoding="utf-8"?>
+<p:sld xmlns:a="http://schemas.openxmlformats.org/drawingml/2006/main" xmlns:r="http://schemas.openxmlformats.org/officeDocument/2006/relationships" xmlns:p="http://schemas.openxmlformats.org/presentationml/2006/main">
+  <p:cSld>
+    <p:bg>
+      <p:bgPr>
+        <a:solidFill>
+          <a:schemeClr val="bg1"/>
+        </a:solidFill>
+        <a:effectLst/>
+      </p:bgPr>
+    </p:bg>
+    <p:spTree>
+      <p:nvGrpSpPr>
+        <p:cNvPr id="1" name=""/>
+        <p:cNvGrpSpPr/>
+        <p:nvPr/>
+      </p:nvGrpSpPr>
+      <p:grpSpPr>
+        <a:xfrm>
+          <a:off x="0" y="0"/>
+          <a:ext cx="0" cy="0"/>
+          <a:chOff x="0" y="0"/>
+          <a:chExt cx="0" cy="0"/>
+        </a:xfrm>
+      </p:grpSpPr>
+      <p:sp>
+        <p:nvSpPr>
+          <p:cNvPr id="8" name="Rectangle 7">
+            <a:extLst>
+              <a:ext uri="{FF2B5EF4-FFF2-40B4-BE49-F238E27FC236}">
+                <a16:creationId xmlns:a16="http://schemas.microsoft.com/office/drawing/2014/main" id="{2B566528-1B12-4246-9431-5C2D7D081168}"/>
+              </a:ext>
+              <a:ext uri="{C183D7F6-B498-43B3-948B-1728B52AA6E4}">
+                <adec:decorative xmlns:adec="http://schemas.microsoft.com/office/drawing/2017/decorative" val="1"/>
+              </a:ext>
+            </a:extLst>
+          </p:cNvPr>
+          <p:cNvSpPr>
+            <a:spLocks noGrp="1" noRot="1" noChangeAspect="1" noMove="1" noResize="1" noEditPoints="1" noAdjustHandles="1" noChangeArrowheads="1" noChangeShapeType="1" noTextEdit="1"/>
+          </p:cNvSpPr>
+          <p:nvPr>
+            <p:extLst>
+              <p:ext uri="{386F3935-93C4-4BCD-93E2-E3B085C9AB24}">
+                <p16:designElem xmlns:p16="http://schemas.microsoft.com/office/powerpoint/2015/main" val="1"/>
+              </p:ext>
+            </p:extLst>
+          </p:nvPr>
+        </p:nvSpPr>
+        <p:spPr>
+          <a:xfrm>
+            <a:off x="0" y="0"/>
+            <a:ext cx="12192000" cy="6858000"/>
+          </a:xfrm>
+          <a:prstGeom prst="rect">
+            <a:avLst/>
+          </a:prstGeom>
+          <a:solidFill>
+            <a:schemeClr val="bg1"/>
+          </a:solidFill>
+          <a:ln>
+            <a:noFill/>
+          </a:ln>
+        </p:spPr>
+        <p:style>
+          <a:lnRef idx="2">
+            <a:schemeClr val="accent1">
+              <a:shade val="50000"/>
+            </a:schemeClr>
+          </a:lnRef>
+          <a:fillRef idx="1">
+            <a:schemeClr val="accent1"/>
+          </a:fillRef>
+          <a:effectRef idx="0">
+            <a:schemeClr val="accent1"/>
+          </a:effectRef>
+          <a:fontRef idx="minor">
+            <a:schemeClr val="lt1"/>
+          </a:fontRef>
+        </p:style>
+        <p:txBody>
+          <a:bodyPr rtlCol="0" anchor="ctr"/>
+          <a:lstStyle/>
+          <a:p>
+            <a:pPr algn="ctr"/>
+            <a:endParaRPr lang="en-US" dirty="0"/>
+          </a:p>
+        </p:txBody>
+      </p:sp>
+      <p:sp>
+        <p:nvSpPr>
+          <p:cNvPr id="2" name="Title 1">
+            <a:extLst>
+              <a:ext uri="{FF2B5EF4-FFF2-40B4-BE49-F238E27FC236}">
                 <a16:creationId xmlns:a16="http://schemas.microsoft.com/office/drawing/2014/main" id="{05C73558-9850-4C4D-0C7D-615EA9C9149C}"/>
               </a:ext>
             </a:extLst>
@@ -5223,7 +5800,7 @@
 </p:sld>
 </file>
 
-<file path=ppt/slides/slide14.xml><?xml version="1.0" encoding="utf-8"?>
+<file path=ppt/slides/slide15.xml><?xml version="1.0" encoding="utf-8"?>
 <p:sld xmlns:a="http://schemas.openxmlformats.org/drawingml/2006/main" xmlns:r="http://schemas.openxmlformats.org/officeDocument/2006/relationships" xmlns:p="http://schemas.openxmlformats.org/presentationml/2006/main">
   <p:cSld>
     <p:bg>
@@ -5785,12 +6362,45 @@
           </a:xfrm>
         </p:spPr>
         <p:txBody>
-          <a:bodyPr>
+          <a:bodyPr vert="horz" lIns="91440" tIns="45720" rIns="91440" bIns="45720" rtlCol="0" anchor="t">
             <a:normAutofit/>
           </a:bodyPr>
           <a:lstStyle/>
           <a:p>
-            <a:endParaRPr lang="en-US" sz="2000"/>
+            <a:r>
+              <a:rPr lang="en-US" sz="1700" dirty="0">
+                <a:latin typeface="Times New Roman"/>
+                <a:cs typeface="Calibri"/>
+              </a:rPr>
+              <a:t>Image Colorization and Inpainting underlie Image Processing using deep learning technique.</a:t>
+            </a:r>
+          </a:p>
+          <a:p>
+            <a:r>
+              <a:rPr lang="en-US" sz="1700" dirty="0">
+                <a:latin typeface="Times New Roman"/>
+                <a:cs typeface="Calibri"/>
+              </a:rPr>
+              <a:t>Improve the quality of an images</a:t>
+            </a:r>
+          </a:p>
+          <a:p>
+            <a:r>
+              <a:rPr lang="en-US" sz="1700" dirty="0">
+                <a:latin typeface="Times New Roman"/>
+                <a:cs typeface="Calibri"/>
+              </a:rPr>
+              <a:t>Image Colorization estimates the RGB color</a:t>
+            </a:r>
+          </a:p>
+          <a:p>
+            <a:r>
+              <a:rPr lang="en-US" sz="1700" dirty="0">
+                <a:latin typeface="Times New Roman"/>
+                <a:cs typeface="Calibri"/>
+              </a:rPr>
+              <a:t>Recover the lost fragment or remove the object completely.</a:t>
+            </a:r>
           </a:p>
         </p:txBody>
       </p:sp>
@@ -6224,12 +6834,36 @@
           </a:xfrm>
         </p:spPr>
         <p:txBody>
-          <a:bodyPr>
+          <a:bodyPr vert="horz" lIns="91440" tIns="45720" rIns="91440" bIns="45720" rtlCol="0" anchor="t">
             <a:normAutofit/>
           </a:bodyPr>
           <a:lstStyle/>
           <a:p>
-            <a:endParaRPr lang="en-US" sz="2000"/>
+            <a:r>
+              <a:rPr lang="en-US" sz="1700" dirty="0">
+                <a:latin typeface="Times New Roman"/>
+                <a:ea typeface="+mn-lt"/>
+                <a:cs typeface="+mn-lt"/>
+              </a:rPr>
+              <a:t>Difficult to restore or recover corrupt image.</a:t>
+            </a:r>
+            <a:endParaRPr lang="en-US" sz="1700" dirty="0">
+              <a:latin typeface="Times New Roman"/>
+              <a:cs typeface="Calibri"/>
+            </a:endParaRPr>
+          </a:p>
+          <a:p>
+            <a:r>
+              <a:rPr lang="en-US" sz="1700" dirty="0">
+                <a:latin typeface="Times New Roman"/>
+                <a:cs typeface="Calibri"/>
+              </a:rPr>
+              <a:t>Requires a photoshop skill to add color which is a tedious process.</a:t>
+            </a:r>
+            <a:endParaRPr lang="en-US" sz="1700">
+              <a:latin typeface="Times New Roman"/>
+              <a:cs typeface="Times New Roman"/>
+            </a:endParaRPr>
           </a:p>
         </p:txBody>
       </p:sp>
@@ -6663,12 +7297,45 @@
           </a:xfrm>
         </p:spPr>
         <p:txBody>
-          <a:bodyPr>
+          <a:bodyPr vert="horz" lIns="91440" tIns="45720" rIns="91440" bIns="45720" rtlCol="0" anchor="t">
             <a:normAutofit/>
           </a:bodyPr>
           <a:lstStyle/>
           <a:p>
-            <a:endParaRPr lang="en-US" sz="2000"/>
+            <a:r>
+              <a:rPr lang="en-US" sz="1700" dirty="0">
+                <a:latin typeface="Times New Roman"/>
+                <a:ea typeface="+mn-lt"/>
+                <a:cs typeface="+mn-lt"/>
+              </a:rPr>
+              <a:t>To colorize the grayscale images and compare the accuracy of output colorized image with real image.</a:t>
+            </a:r>
+            <a:endParaRPr lang="en-US" sz="1700">
+              <a:latin typeface="Times New Roman"/>
+              <a:cs typeface="Calibri" panose="020F0502020204030204"/>
+            </a:endParaRPr>
+          </a:p>
+          <a:p>
+            <a:r>
+              <a:rPr lang="en-US" sz="1700" dirty="0">
+                <a:latin typeface="Times New Roman"/>
+                <a:ea typeface="+mn-lt"/>
+                <a:cs typeface="+mn-lt"/>
+              </a:rPr>
+              <a:t>To reconstruct damaged parts or missing parts of image using GANs.</a:t>
+            </a:r>
+            <a:endParaRPr lang="en-US" sz="1700">
+              <a:latin typeface="Times New Roman"/>
+              <a:cs typeface="Calibri"/>
+            </a:endParaRPr>
+          </a:p>
+          <a:p>
+            <a:pPr marL="0" indent="0">
+              <a:buNone/>
+            </a:pPr>
+            <a:endParaRPr lang="en-US" sz="2000" dirty="0">
+              <a:cs typeface="Calibri"/>
+            </a:endParaRPr>
           </a:p>
         </p:txBody>
       </p:sp>
@@ -6956,14 +7623,6 @@
 <file path=ppt/slides/slide5.xml><?xml version="1.0" encoding="utf-8"?>
 <p:sld xmlns:a="http://schemas.openxmlformats.org/drawingml/2006/main" xmlns:r="http://schemas.openxmlformats.org/officeDocument/2006/relationships" xmlns:p="http://schemas.openxmlformats.org/presentationml/2006/main">
   <p:cSld>
-    <p:bg>
-      <p:bgPr>
-        <a:solidFill>
-          <a:schemeClr val="bg1"/>
-        </a:solidFill>
-        <a:effectLst/>
-      </p:bgPr>
-    </p:bg>
     <p:spTree>
       <p:nvGrpSpPr>
         <p:cNvPr id="1" name=""/>
@@ -6980,73 +7639,10 @@
       </p:grpSpPr>
       <p:sp>
         <p:nvSpPr>
-          <p:cNvPr id="8" name="Rectangle 7">
-            <a:extLst>
-              <a:ext uri="{FF2B5EF4-FFF2-40B4-BE49-F238E27FC236}">
-                <a16:creationId xmlns:a16="http://schemas.microsoft.com/office/drawing/2014/main" id="{2B566528-1B12-4246-9431-5C2D7D081168}"/>
-              </a:ext>
-              <a:ext uri="{C183D7F6-B498-43B3-948B-1728B52AA6E4}">
-                <adec:decorative xmlns:adec="http://schemas.microsoft.com/office/drawing/2017/decorative" val="1"/>
-              </a:ext>
-            </a:extLst>
-          </p:cNvPr>
-          <p:cNvSpPr>
-            <a:spLocks noGrp="1" noRot="1" noChangeAspect="1" noMove="1" noResize="1" noEditPoints="1" noAdjustHandles="1" noChangeArrowheads="1" noChangeShapeType="1" noTextEdit="1"/>
-          </p:cNvSpPr>
-          <p:nvPr>
-            <p:extLst>
-              <p:ext uri="{386F3935-93C4-4BCD-93E2-E3B085C9AB24}">
-                <p16:designElem xmlns:p16="http://schemas.microsoft.com/office/powerpoint/2015/main" val="1"/>
-              </p:ext>
-            </p:extLst>
-          </p:nvPr>
-        </p:nvSpPr>
-        <p:spPr>
-          <a:xfrm>
-            <a:off x="0" y="0"/>
-            <a:ext cx="12192000" cy="6858000"/>
-          </a:xfrm>
-          <a:prstGeom prst="rect">
-            <a:avLst/>
-          </a:prstGeom>
-          <a:solidFill>
-            <a:schemeClr val="bg1"/>
-          </a:solidFill>
-          <a:ln>
-            <a:noFill/>
-          </a:ln>
-        </p:spPr>
-        <p:style>
-          <a:lnRef idx="2">
-            <a:schemeClr val="accent1">
-              <a:shade val="50000"/>
-            </a:schemeClr>
-          </a:lnRef>
-          <a:fillRef idx="1">
-            <a:schemeClr val="accent1"/>
-          </a:fillRef>
-          <a:effectRef idx="0">
-            <a:schemeClr val="accent1"/>
-          </a:effectRef>
-          <a:fontRef idx="minor">
-            <a:schemeClr val="lt1"/>
-          </a:fontRef>
-        </p:style>
-        <p:txBody>
-          <a:bodyPr rtlCol="0" anchor="ctr"/>
-          <a:lstStyle/>
-          <a:p>
-            <a:pPr algn="ctr"/>
-            <a:endParaRPr lang="en-US" dirty="0"/>
-          </a:p>
-        </p:txBody>
-      </p:sp>
-      <p:sp>
-        <p:nvSpPr>
           <p:cNvPr id="2" name="Title 1">
             <a:extLst>
               <a:ext uri="{FF2B5EF4-FFF2-40B4-BE49-F238E27FC236}">
-                <a16:creationId xmlns:a16="http://schemas.microsoft.com/office/drawing/2014/main" id="{25CD4450-C7AC-B244-41D5-9975EBFF4B78}"/>
+                <a16:creationId xmlns:a16="http://schemas.microsoft.com/office/drawing/2014/main" id="{5711CBAF-7C60-6EFC-4981-6EB61D6DE971}"/>
               </a:ext>
             </a:extLst>
           </p:cNvPr>
@@ -7057,12 +7653,7 @@
             <p:ph type="title"/>
           </p:nvPr>
         </p:nvSpPr>
-        <p:spPr>
-          <a:xfrm>
-            <a:off x="643467" y="321734"/>
-            <a:ext cx="10905066" cy="1135737"/>
-          </a:xfrm>
-        </p:spPr>
+        <p:spPr/>
         <p:txBody>
           <a:bodyPr>
             <a:normAutofit/>
@@ -7074,11 +7665,10 @@
                 <a:latin typeface="Times New Roman"/>
                 <a:cs typeface="Calibri Light"/>
               </a:rPr>
-              <a:t>Requirement Analysis</a:t>
-            </a:r>
-            <a:endParaRPr lang="en-US" sz="3000" b="1">
+              <a:t>Scope and Application</a:t>
+            </a:r>
+            <a:endParaRPr lang="en-US" sz="3000" b="1" dirty="0">
               <a:latin typeface="Times New Roman"/>
-              <a:cs typeface="Times New Roman"/>
             </a:endParaRPr>
           </a:p>
         </p:txBody>
@@ -7088,7 +7678,7 @@
           <p:cNvPr id="3" name="Content Placeholder 2">
             <a:extLst>
               <a:ext uri="{FF2B5EF4-FFF2-40B4-BE49-F238E27FC236}">
-                <a16:creationId xmlns:a16="http://schemas.microsoft.com/office/drawing/2014/main" id="{416A42DA-4A19-CCA0-40C7-4EC2EE7F87D6}"/>
+                <a16:creationId xmlns:a16="http://schemas.microsoft.com/office/drawing/2014/main" id="{20327F2A-EE1C-8242-FBEB-CC2BBA476C2A}"/>
               </a:ext>
             </a:extLst>
           </p:cNvPr>
@@ -7099,309 +7689,45 @@
             <p:ph idx="1"/>
           </p:nvPr>
         </p:nvSpPr>
-        <p:spPr>
-          <a:xfrm>
-            <a:off x="643467" y="1372015"/>
-            <a:ext cx="10905066" cy="4393982"/>
-          </a:xfrm>
-        </p:spPr>
+        <p:spPr/>
         <p:txBody>
           <a:bodyPr vert="horz" lIns="91440" tIns="45720" rIns="91440" bIns="45720" rtlCol="0" anchor="t">
             <a:normAutofit/>
           </a:bodyPr>
           <a:lstStyle/>
           <a:p>
-            <a:pPr marL="0" indent="0">
-              <a:buNone/>
-            </a:pPr>
-            <a:r>
-              <a:rPr lang="en-US" sz="2000" i="1" dirty="0">
+            <a:r>
+              <a:rPr lang="en-US" sz="1700" dirty="0">
                 <a:latin typeface="Times New Roman"/>
-                <a:cs typeface="Calibri" panose="020F0502020204030204"/>
+                <a:cs typeface="Calibri"/>
               </a:rPr>
-              <a:t>Functional Requirement:</a:t>
-            </a:r>
-          </a:p>
-          <a:p>
-            <a:endParaRPr lang="en-US" sz="2000" i="1" dirty="0">
-              <a:latin typeface="Times New Roman"/>
-              <a:cs typeface="Calibri" panose="020F0502020204030204"/>
-            </a:endParaRPr>
-          </a:p>
-        </p:txBody>
-      </p:sp>
-      <p:sp>
-        <p:nvSpPr>
-          <p:cNvPr id="10" name="Rectangle 9">
-            <a:extLst>
-              <a:ext uri="{FF2B5EF4-FFF2-40B4-BE49-F238E27FC236}">
-                <a16:creationId xmlns:a16="http://schemas.microsoft.com/office/drawing/2014/main" id="{2E80C965-DB6D-4F81-9E9E-B027384D0BD6}"/>
-              </a:ext>
-              <a:ext uri="{C183D7F6-B498-43B3-948B-1728B52AA6E4}">
-                <adec:decorative xmlns:adec="http://schemas.microsoft.com/office/drawing/2017/decorative" val="1"/>
-              </a:ext>
-            </a:extLst>
-          </p:cNvPr>
-          <p:cNvSpPr>
-            <a:spLocks noGrp="1" noRot="1" noChangeAspect="1" noMove="1" noResize="1" noEditPoints="1" noAdjustHandles="1" noChangeArrowheads="1" noChangeShapeType="1" noTextEdit="1"/>
-          </p:cNvSpPr>
-          <p:nvPr>
-            <p:extLst>
-              <p:ext uri="{386F3935-93C4-4BCD-93E2-E3B085C9AB24}">
-                <p16:designElem xmlns:p16="http://schemas.microsoft.com/office/powerpoint/2015/main" val="1"/>
-              </p:ext>
-            </p:extLst>
-          </p:nvPr>
-        </p:nvSpPr>
-        <p:spPr>
-          <a:xfrm rot="2700000">
-            <a:off x="11052629" y="2120024"/>
-            <a:ext cx="645368" cy="645368"/>
-          </a:xfrm>
-          <a:prstGeom prst="rect">
-            <a:avLst/>
-          </a:prstGeom>
-          <a:solidFill>
-            <a:schemeClr val="accent4">
-              <a:alpha val="30000"/>
-            </a:schemeClr>
-          </a:solidFill>
-          <a:ln>
-            <a:noFill/>
-          </a:ln>
-        </p:spPr>
-        <p:style>
-          <a:lnRef idx="2">
-            <a:schemeClr val="accent1">
-              <a:shade val="50000"/>
-            </a:schemeClr>
-          </a:lnRef>
-          <a:fillRef idx="1">
-            <a:schemeClr val="accent1"/>
-          </a:fillRef>
-          <a:effectRef idx="0">
-            <a:schemeClr val="accent1"/>
-          </a:effectRef>
-          <a:fontRef idx="minor">
-            <a:schemeClr val="lt1"/>
-          </a:fontRef>
-        </p:style>
-        <p:txBody>
-          <a:bodyPr rtlCol="0" anchor="ctr"/>
-          <a:lstStyle/>
-          <a:p>
-            <a:pPr algn="ctr"/>
-            <a:endParaRPr lang="en-US"/>
-          </a:p>
-        </p:txBody>
-      </p:sp>
-      <p:sp>
-        <p:nvSpPr>
-          <p:cNvPr id="12" name="Isosceles Triangle 11">
-            <a:extLst>
-              <a:ext uri="{FF2B5EF4-FFF2-40B4-BE49-F238E27FC236}">
-                <a16:creationId xmlns:a16="http://schemas.microsoft.com/office/drawing/2014/main" id="{A580F890-B085-4E95-96AA-55AEBEC5CE6E}"/>
-              </a:ext>
-              <a:ext uri="{C183D7F6-B498-43B3-948B-1728B52AA6E4}">
-                <adec:decorative xmlns:adec="http://schemas.microsoft.com/office/drawing/2017/decorative" val="1"/>
-              </a:ext>
-            </a:extLst>
-          </p:cNvPr>
-          <p:cNvSpPr>
-            <a:spLocks noGrp="1" noRot="1" noChangeAspect="1" noMove="1" noResize="1" noEditPoints="1" noAdjustHandles="1" noChangeArrowheads="1" noChangeShapeType="1" noTextEdit="1"/>
-          </p:cNvSpPr>
-          <p:nvPr>
-            <p:extLst>
-              <p:ext uri="{386F3935-93C4-4BCD-93E2-E3B085C9AB24}">
-                <p16:designElem xmlns:p16="http://schemas.microsoft.com/office/powerpoint/2015/main" val="1"/>
-              </p:ext>
-            </p:extLst>
-          </p:nvPr>
-        </p:nvSpPr>
-        <p:spPr>
-          <a:xfrm rot="16200000">
-            <a:off x="10289068" y="1343027"/>
-            <a:ext cx="2532832" cy="1273032"/>
-          </a:xfrm>
-          <a:prstGeom prst="triangle">
-            <a:avLst>
-              <a:gd name="adj" fmla="val 50000"/>
-            </a:avLst>
-          </a:prstGeom>
-          <a:solidFill>
-            <a:schemeClr val="accent4">
-              <a:alpha val="30000"/>
-            </a:schemeClr>
-          </a:solidFill>
-          <a:ln>
-            <a:noFill/>
-          </a:ln>
-        </p:spPr>
-        <p:style>
-          <a:lnRef idx="2">
-            <a:schemeClr val="accent1">
-              <a:shade val="50000"/>
-            </a:schemeClr>
-          </a:lnRef>
-          <a:fillRef idx="1">
-            <a:schemeClr val="accent1"/>
-          </a:fillRef>
-          <a:effectRef idx="0">
-            <a:schemeClr val="accent1"/>
-          </a:effectRef>
-          <a:fontRef idx="minor">
-            <a:schemeClr val="lt1"/>
-          </a:fontRef>
-        </p:style>
-        <p:txBody>
-          <a:bodyPr rtlCol="0" anchor="ctr"/>
-          <a:lstStyle/>
-          <a:p>
-            <a:pPr algn="ctr"/>
-            <a:endParaRPr lang="en-US"/>
-          </a:p>
-        </p:txBody>
-      </p:sp>
-      <p:sp>
-        <p:nvSpPr>
-          <p:cNvPr id="14" name="Isosceles Triangle 13">
-            <a:extLst>
-              <a:ext uri="{FF2B5EF4-FFF2-40B4-BE49-F238E27FC236}">
-                <a16:creationId xmlns:a16="http://schemas.microsoft.com/office/drawing/2014/main" id="{D3F51FEB-38FB-4F6C-9F7B-2F2AFAB65463}"/>
-              </a:ext>
-              <a:ext uri="{C183D7F6-B498-43B3-948B-1728B52AA6E4}">
-                <adec:decorative xmlns:adec="http://schemas.microsoft.com/office/drawing/2017/decorative" val="1"/>
-              </a:ext>
-            </a:extLst>
-          </p:cNvPr>
-          <p:cNvSpPr>
-            <a:spLocks noGrp="1" noRot="1" noChangeAspect="1" noMove="1" noResize="1" noEditPoints="1" noAdjustHandles="1" noChangeArrowheads="1" noChangeShapeType="1" noTextEdit="1"/>
-          </p:cNvSpPr>
-          <p:nvPr>
-            <p:extLst>
-              <p:ext uri="{386F3935-93C4-4BCD-93E2-E3B085C9AB24}">
-                <p16:designElem xmlns:p16="http://schemas.microsoft.com/office/powerpoint/2015/main" val="1"/>
-              </p:ext>
-            </p:extLst>
-          </p:nvPr>
-        </p:nvSpPr>
-        <p:spPr>
-          <a:xfrm rot="5400000">
-            <a:off x="-501760" y="5103257"/>
-            <a:ext cx="2017580" cy="1014060"/>
-          </a:xfrm>
-          <a:prstGeom prst="triangle">
-            <a:avLst>
-              <a:gd name="adj" fmla="val 50000"/>
-            </a:avLst>
-          </a:prstGeom>
-          <a:solidFill>
-            <a:schemeClr val="accent1">
-              <a:alpha val="30000"/>
-            </a:schemeClr>
-          </a:solidFill>
-          <a:ln>
-            <a:noFill/>
-          </a:ln>
-        </p:spPr>
-        <p:style>
-          <a:lnRef idx="2">
-            <a:schemeClr val="accent1">
-              <a:shade val="50000"/>
-            </a:schemeClr>
-          </a:lnRef>
-          <a:fillRef idx="1">
-            <a:schemeClr val="accent1"/>
-          </a:fillRef>
-          <a:effectRef idx="0">
-            <a:schemeClr val="accent1"/>
-          </a:effectRef>
-          <a:fontRef idx="minor">
-            <a:schemeClr val="lt1"/>
-          </a:fontRef>
-        </p:style>
-        <p:txBody>
-          <a:bodyPr wrap="square" rtlCol="0" anchor="ctr">
-            <a:noAutofit/>
-          </a:bodyPr>
-          <a:lstStyle/>
-          <a:p>
-            <a:pPr algn="ctr"/>
-            <a:endParaRPr lang="en-US"/>
-          </a:p>
-        </p:txBody>
-      </p:sp>
-      <p:sp>
-        <p:nvSpPr>
-          <p:cNvPr id="16" name="Rectangle 15">
-            <a:extLst>
-              <a:ext uri="{FF2B5EF4-FFF2-40B4-BE49-F238E27FC236}">
-                <a16:creationId xmlns:a16="http://schemas.microsoft.com/office/drawing/2014/main" id="{1E547BA6-BAE0-43BB-A7CA-60F69CE252F0}"/>
-              </a:ext>
-              <a:ext uri="{C183D7F6-B498-43B3-948B-1728B52AA6E4}">
-                <adec:decorative xmlns:adec="http://schemas.microsoft.com/office/drawing/2017/decorative" val="1"/>
-              </a:ext>
-            </a:extLst>
-          </p:cNvPr>
-          <p:cNvSpPr>
-            <a:spLocks noGrp="1" noRot="1" noChangeAspect="1" noMove="1" noResize="1" noEditPoints="1" noAdjustHandles="1" noChangeArrowheads="1" noChangeShapeType="1" noTextEdit="1"/>
-          </p:cNvSpPr>
-          <p:nvPr>
-            <p:extLst>
-              <p:ext uri="{386F3935-93C4-4BCD-93E2-E3B085C9AB24}">
-                <p16:designElem xmlns:p16="http://schemas.microsoft.com/office/powerpoint/2015/main" val="1"/>
-              </p:ext>
-            </p:extLst>
-          </p:nvPr>
-        </p:nvSpPr>
-        <p:spPr>
-          <a:xfrm rot="2700000">
-            <a:off x="427916" y="5728708"/>
-            <a:ext cx="485578" cy="485578"/>
-          </a:xfrm>
-          <a:prstGeom prst="rect">
-            <a:avLst/>
-          </a:prstGeom>
-          <a:solidFill>
-            <a:schemeClr val="accent1">
-              <a:alpha val="30000"/>
-            </a:schemeClr>
-          </a:solidFill>
-          <a:ln>
-            <a:noFill/>
-          </a:ln>
-        </p:spPr>
-        <p:style>
-          <a:lnRef idx="2">
-            <a:schemeClr val="accent1">
-              <a:shade val="50000"/>
-            </a:schemeClr>
-          </a:lnRef>
-          <a:fillRef idx="1">
-            <a:schemeClr val="accent1"/>
-          </a:fillRef>
-          <a:effectRef idx="0">
-            <a:schemeClr val="accent1"/>
-          </a:effectRef>
-          <a:fontRef idx="minor">
-            <a:schemeClr val="lt1"/>
-          </a:fontRef>
-        </p:style>
-        <p:txBody>
-          <a:bodyPr wrap="square" rtlCol="0" anchor="ctr">
-            <a:noAutofit/>
-          </a:bodyPr>
-          <a:lstStyle/>
-          <a:p>
-            <a:pPr algn="ctr"/>
-            <a:endParaRPr lang="en-US"/>
+              <a:t>Converts monochrome image to make it more aesthetically appealing and perceptually meaningful.</a:t>
+            </a:r>
+          </a:p>
+          <a:p>
+            <a:r>
+              <a:rPr lang="en-US" sz="1700" dirty="0">
+                <a:latin typeface="Times New Roman"/>
+                <a:cs typeface="Calibri"/>
+              </a:rPr>
+              <a:t>Used for colorization purposes in the documentation image.</a:t>
+            </a:r>
+          </a:p>
+          <a:p>
+            <a:r>
+              <a:rPr lang="en-US" sz="1700" dirty="0">
+                <a:latin typeface="Times New Roman"/>
+                <a:cs typeface="Calibri"/>
+              </a:rPr>
+              <a:t>Used for recovering corrupted images as well as videos.</a:t>
+            </a:r>
           </a:p>
         </p:txBody>
       </p:sp>
     </p:spTree>
     <p:extLst>
       <p:ext uri="{BB962C8B-B14F-4D97-AF65-F5344CB8AC3E}">
-        <p14:creationId xmlns:p14="http://schemas.microsoft.com/office/powerpoint/2010/main" val="4097178766"/>
+        <p14:creationId xmlns:p14="http://schemas.microsoft.com/office/powerpoint/2010/main" val="1571582896"/>
       </p:ext>
     </p:extLst>
   </p:cSld>
@@ -7501,10 +7827,52 @@
       </p:sp>
       <p:sp>
         <p:nvSpPr>
+          <p:cNvPr id="2" name="Title 1">
+            <a:extLst>
+              <a:ext uri="{FF2B5EF4-FFF2-40B4-BE49-F238E27FC236}">
+                <a16:creationId xmlns:a16="http://schemas.microsoft.com/office/drawing/2014/main" id="{25CD4450-C7AC-B244-41D5-9975EBFF4B78}"/>
+              </a:ext>
+            </a:extLst>
+          </p:cNvPr>
+          <p:cNvSpPr>
+            <a:spLocks noGrp="1"/>
+          </p:cNvSpPr>
+          <p:nvPr>
+            <p:ph type="title"/>
+          </p:nvPr>
+        </p:nvSpPr>
+        <p:spPr>
+          <a:xfrm>
+            <a:off x="643467" y="321734"/>
+            <a:ext cx="10905066" cy="1135737"/>
+          </a:xfrm>
+        </p:spPr>
+        <p:txBody>
+          <a:bodyPr>
+            <a:normAutofit/>
+          </a:bodyPr>
+          <a:lstStyle/>
+          <a:p>
+            <a:r>
+              <a:rPr lang="en-US" sz="3000" b="1" dirty="0">
+                <a:latin typeface="Times New Roman"/>
+                <a:cs typeface="Calibri Light"/>
+              </a:rPr>
+              <a:t>Requirement Analysis</a:t>
+            </a:r>
+            <a:endParaRPr lang="en-US" sz="3000" b="1">
+              <a:latin typeface="Times New Roman"/>
+              <a:cs typeface="Times New Roman"/>
+            </a:endParaRPr>
+          </a:p>
+        </p:txBody>
+      </p:sp>
+      <p:sp>
+        <p:nvSpPr>
           <p:cNvPr id="3" name="Content Placeholder 2">
             <a:extLst>
               <a:ext uri="{FF2B5EF4-FFF2-40B4-BE49-F238E27FC236}">
-                <a16:creationId xmlns:a16="http://schemas.microsoft.com/office/drawing/2014/main" id="{BD01DE55-7534-EEF4-90A1-A721D916463C}"/>
+                <a16:creationId xmlns:a16="http://schemas.microsoft.com/office/drawing/2014/main" id="{416A42DA-4A19-CCA0-40C7-4EC2EE7F87D6}"/>
               </a:ext>
             </a:extLst>
           </p:cNvPr>
@@ -7517,12 +7885,12 @@
         </p:nvSpPr>
         <p:spPr>
           <a:xfrm>
-            <a:off x="606296" y="1039566"/>
+            <a:off x="643467" y="1372015"/>
             <a:ext cx="10905066" cy="4393982"/>
           </a:xfrm>
         </p:spPr>
         <p:txBody>
-          <a:bodyPr vert="horz" lIns="91440" tIns="45720" rIns="91440" bIns="45720" rtlCol="0">
+          <a:bodyPr vert="horz" lIns="91440" tIns="45720" rIns="91440" bIns="45720" rtlCol="0" anchor="t">
             <a:normAutofit/>
           </a:bodyPr>
           <a:lstStyle/>
@@ -7535,10 +7903,58 @@
                 <a:latin typeface="Times New Roman"/>
                 <a:cs typeface="Calibri" panose="020F0502020204030204"/>
               </a:rPr>
-              <a:t>Non-Functional Requirement</a:t>
-            </a:r>
-          </a:p>
-          <a:p>
+              <a:t>Functional Requirement:</a:t>
+            </a:r>
+          </a:p>
+          <a:p>
+            <a:r>
+              <a:rPr lang="en-US" sz="1700" dirty="0">
+                <a:latin typeface="Times New Roman"/>
+                <a:cs typeface="Calibri" panose="020F0502020204030204"/>
+              </a:rPr>
+              <a:t>Login/Register</a:t>
+            </a:r>
+          </a:p>
+          <a:p>
+            <a:r>
+              <a:rPr lang="en-US" sz="1700" dirty="0">
+                <a:latin typeface="Times New Roman"/>
+                <a:cs typeface="Calibri" panose="020F0502020204030204"/>
+              </a:rPr>
+              <a:t>Upload images</a:t>
+            </a:r>
+          </a:p>
+          <a:p>
+            <a:r>
+              <a:rPr lang="en-US" sz="1700" dirty="0">
+                <a:latin typeface="Times New Roman"/>
+                <a:cs typeface="Calibri" panose="020F0502020204030204"/>
+              </a:rPr>
+              <a:t>Image Colorization</a:t>
+            </a:r>
+          </a:p>
+          <a:p>
+            <a:r>
+              <a:rPr lang="en-US" sz="1700" dirty="0">
+                <a:latin typeface="Times New Roman"/>
+                <a:cs typeface="Calibri" panose="020F0502020204030204"/>
+              </a:rPr>
+              <a:t>Image restoration</a:t>
+            </a:r>
+          </a:p>
+          <a:p>
+            <a:r>
+              <a:rPr lang="en-US" sz="1700" dirty="0">
+                <a:latin typeface="Times New Roman"/>
+                <a:cs typeface="Calibri" panose="020F0502020204030204"/>
+              </a:rPr>
+              <a:t>Download image</a:t>
+            </a:r>
+          </a:p>
+          <a:p>
+            <a:pPr marL="0" indent="0">
+              <a:buNone/>
+            </a:pPr>
             <a:endParaRPr lang="en-US" sz="2000" i="1" dirty="0">
               <a:latin typeface="Times New Roman"/>
               <a:cs typeface="Calibri" panose="020F0502020204030204"/>
@@ -7817,7 +8233,7 @@
     </p:spTree>
     <p:extLst>
       <p:ext uri="{BB962C8B-B14F-4D97-AF65-F5344CB8AC3E}">
-        <p14:creationId xmlns:p14="http://schemas.microsoft.com/office/powerpoint/2010/main" val="1611941707"/>
+        <p14:creationId xmlns:p14="http://schemas.microsoft.com/office/powerpoint/2010/main" val="4097178766"/>
       </p:ext>
     </p:extLst>
   </p:cSld>
@@ -7917,52 +8333,10 @@
       </p:sp>
       <p:sp>
         <p:nvSpPr>
-          <p:cNvPr id="2" name="Title 1">
-            <a:extLst>
-              <a:ext uri="{FF2B5EF4-FFF2-40B4-BE49-F238E27FC236}">
-                <a16:creationId xmlns:a16="http://schemas.microsoft.com/office/drawing/2014/main" id="{F95C2A46-E102-E95A-C7F8-7ACE49C957A3}"/>
-              </a:ext>
-            </a:extLst>
-          </p:cNvPr>
-          <p:cNvSpPr>
-            <a:spLocks noGrp="1"/>
-          </p:cNvSpPr>
-          <p:nvPr>
-            <p:ph type="title"/>
-          </p:nvPr>
-        </p:nvSpPr>
-        <p:spPr>
-          <a:xfrm>
-            <a:off x="643467" y="321734"/>
-            <a:ext cx="10905066" cy="1135737"/>
-          </a:xfrm>
-        </p:spPr>
-        <p:txBody>
-          <a:bodyPr>
-            <a:normAutofit/>
-          </a:bodyPr>
-          <a:lstStyle/>
-          <a:p>
-            <a:r>
-              <a:rPr lang="en-US" sz="3000" b="1" dirty="0">
-                <a:latin typeface="Times New Roman"/>
-                <a:cs typeface="Calibri Light"/>
-              </a:rPr>
-              <a:t>Feasibility Study</a:t>
-            </a:r>
-            <a:endParaRPr lang="en-US" sz="3000" b="1">
-              <a:latin typeface="Times New Roman"/>
-              <a:cs typeface="Times New Roman"/>
-            </a:endParaRPr>
-          </a:p>
-        </p:txBody>
-      </p:sp>
-      <p:sp>
-        <p:nvSpPr>
           <p:cNvPr id="3" name="Content Placeholder 2">
             <a:extLst>
               <a:ext uri="{FF2B5EF4-FFF2-40B4-BE49-F238E27FC236}">
-                <a16:creationId xmlns:a16="http://schemas.microsoft.com/office/drawing/2014/main" id="{31747767-B99D-B725-DDF0-6C8C89142814}"/>
+                <a16:creationId xmlns:a16="http://schemas.microsoft.com/office/drawing/2014/main" id="{BD01DE55-7534-EEF4-90A1-A721D916463C}"/>
               </a:ext>
             </a:extLst>
           </p:cNvPr>
@@ -7975,7 +8349,7 @@
         </p:nvSpPr>
         <p:spPr>
           <a:xfrm>
-            <a:off x="643467" y="1782981"/>
+            <a:off x="606296" y="1039566"/>
             <a:ext cx="10905066" cy="4393982"/>
           </a:xfrm>
         </p:spPr>
@@ -7993,89 +8367,71 @@
                 <a:latin typeface="Times New Roman"/>
                 <a:cs typeface="Calibri" panose="020F0502020204030204"/>
               </a:rPr>
-              <a:t>Technical Feasibility</a:t>
-            </a:r>
-            <a:endParaRPr lang="en-US">
-              <a:latin typeface="Times New Roman"/>
-              <a:cs typeface="Times New Roman"/>
-            </a:endParaRPr>
-          </a:p>
-          <a:p>
-            <a:r>
-              <a:rPr lang="en-US" sz="1700" dirty="0">
-                <a:latin typeface="Times New Roman"/>
-                <a:cs typeface="Calibri" panose="020F0502020204030204"/>
-              </a:rPr>
-              <a:t>Continue here</a:t>
-            </a:r>
-          </a:p>
-          <a:p>
-            <a:pPr marL="0" indent="0">
-              <a:buNone/>
-            </a:pPr>
-            <a:endParaRPr lang="en-US" sz="2000" dirty="0">
-              <a:latin typeface="Times New Roman"/>
-              <a:cs typeface="Calibri" panose="020F0502020204030204"/>
-            </a:endParaRPr>
-          </a:p>
-          <a:p>
-            <a:pPr marL="0" indent="0">
-              <a:buNone/>
-            </a:pPr>
+              <a:t>Non-Functional Requirement</a:t>
+            </a:r>
+          </a:p>
+          <a:p>
             <a:r>
               <a:rPr lang="en-US" sz="2000" i="1" dirty="0">
                 <a:latin typeface="Times New Roman"/>
                 <a:cs typeface="Calibri" panose="020F0502020204030204"/>
               </a:rPr>
-              <a:t>Operational Feasibility</a:t>
-            </a:r>
-            <a:endParaRPr lang="en-US">
-              <a:latin typeface="Times New Roman"/>
-              <a:cs typeface="Times New Roman"/>
-            </a:endParaRPr>
-          </a:p>
-          <a:p>
-            <a:r>
-              <a:rPr lang="en-US" sz="1700" dirty="0">
-                <a:latin typeface="Times New Roman"/>
-                <a:cs typeface="Calibri" panose="020F0502020204030204"/>
-              </a:rPr>
-              <a:t>Continue ….</a:t>
-            </a:r>
-          </a:p>
-          <a:p>
-            <a:pPr marL="0" indent="0">
-              <a:buNone/>
-            </a:pPr>
-            <a:endParaRPr lang="en-US" sz="2000" dirty="0">
-              <a:latin typeface="Times New Roman"/>
-              <a:cs typeface="Calibri" panose="020F0502020204030204"/>
-            </a:endParaRPr>
-          </a:p>
-          <a:p>
-            <a:pPr marL="0" indent="0">
-              <a:buNone/>
-            </a:pPr>
+              <a:t>Reliable</a:t>
+            </a:r>
+          </a:p>
+          <a:p>
             <a:r>
               <a:rPr lang="en-US" sz="2000" i="1" dirty="0">
                 <a:latin typeface="Times New Roman"/>
                 <a:cs typeface="Calibri" panose="020F0502020204030204"/>
               </a:rPr>
-              <a:t>Economic Feasibility</a:t>
-            </a:r>
-            <a:endParaRPr lang="en-US">
-              <a:latin typeface="Times New Roman"/>
-              <a:cs typeface="Times New Roman"/>
-            </a:endParaRPr>
-          </a:p>
-          <a:p>
-            <a:r>
-              <a:rPr lang="en-US" sz="1700" dirty="0">
+              <a:t>Availability</a:t>
+            </a:r>
+          </a:p>
+          <a:p>
+            <a:r>
+              <a:rPr lang="en-US" sz="2000" i="1" dirty="0">
                 <a:latin typeface="Times New Roman"/>
                 <a:cs typeface="Calibri" panose="020F0502020204030204"/>
               </a:rPr>
-              <a:t>Continue...</a:t>
-            </a:r>
+              <a:t>Performance</a:t>
+            </a:r>
+          </a:p>
+          <a:p>
+            <a:r>
+              <a:rPr lang="en-US" sz="2000" i="1" dirty="0">
+                <a:latin typeface="Times New Roman"/>
+                <a:cs typeface="Calibri" panose="020F0502020204030204"/>
+              </a:rPr>
+              <a:t>Scalability</a:t>
+            </a:r>
+          </a:p>
+          <a:p>
+            <a:r>
+              <a:rPr lang="en-US" sz="2000" i="1" dirty="0">
+                <a:latin typeface="Times New Roman"/>
+                <a:cs typeface="Calibri" panose="020F0502020204030204"/>
+              </a:rPr>
+              <a:t>Maintainability</a:t>
+            </a:r>
+          </a:p>
+          <a:p>
+            <a:r>
+              <a:rPr lang="en-US" sz="2000" i="1" dirty="0">
+                <a:latin typeface="Times New Roman"/>
+                <a:cs typeface="Calibri" panose="020F0502020204030204"/>
+              </a:rPr>
+              <a:t>Security</a:t>
+            </a:r>
+          </a:p>
+          <a:p>
+            <a:pPr marL="457200" indent="-457200">
+              <a:buAutoNum type="arabicPeriod"/>
+            </a:pPr>
+            <a:endParaRPr lang="en-US" sz="2000" i="1" dirty="0">
+              <a:latin typeface="Times New Roman"/>
+              <a:cs typeface="Calibri" panose="020F0502020204030204"/>
+            </a:endParaRPr>
           </a:p>
         </p:txBody>
       </p:sp>
@@ -8350,7 +8706,7 @@
     </p:spTree>
     <p:extLst>
       <p:ext uri="{BB962C8B-B14F-4D97-AF65-F5344CB8AC3E}">
-        <p14:creationId xmlns:p14="http://schemas.microsoft.com/office/powerpoint/2010/main" val="1753921719"/>
+        <p14:creationId xmlns:p14="http://schemas.microsoft.com/office/powerpoint/2010/main" val="1611941707"/>
       </p:ext>
     </p:extLst>
   </p:cSld>
@@ -8453,7 +8809,7 @@
           <p:cNvPr id="2" name="Title 1">
             <a:extLst>
               <a:ext uri="{FF2B5EF4-FFF2-40B4-BE49-F238E27FC236}">
-                <a16:creationId xmlns:a16="http://schemas.microsoft.com/office/drawing/2014/main" id="{C83D562A-7F24-85DE-218B-8A7442150612}"/>
+                <a16:creationId xmlns:a16="http://schemas.microsoft.com/office/drawing/2014/main" id="{F95C2A46-E102-E95A-C7F8-7ACE49C957A3}"/>
               </a:ext>
             </a:extLst>
           </p:cNvPr>
@@ -8479,12 +8835,13 @@
             <a:r>
               <a:rPr lang="en-US" sz="3000" b="1" dirty="0">
                 <a:latin typeface="Times New Roman"/>
-                <a:cs typeface="Times New Roman"/>
+                <a:cs typeface="Calibri Light"/>
               </a:rPr>
-              <a:t>System Design</a:t>
-            </a:r>
-            <a:endParaRPr lang="en-US" sz="3600" b="1" dirty="0">
-              <a:cs typeface="Calibri Light" panose="020F0302020204030204"/>
+              <a:t>Feasibility Study</a:t>
+            </a:r>
+            <a:endParaRPr lang="en-US" sz="3000" b="1">
+              <a:latin typeface="Times New Roman"/>
+              <a:cs typeface="Times New Roman"/>
             </a:endParaRPr>
           </a:p>
         </p:txBody>
@@ -8494,7 +8851,7 @@
           <p:cNvPr id="3" name="Content Placeholder 2">
             <a:extLst>
               <a:ext uri="{FF2B5EF4-FFF2-40B4-BE49-F238E27FC236}">
-                <a16:creationId xmlns:a16="http://schemas.microsoft.com/office/drawing/2014/main" id="{2411F57C-A50E-7181-FBB7-CA5B49CD13C1}"/>
+                <a16:creationId xmlns:a16="http://schemas.microsoft.com/office/drawing/2014/main" id="{31747767-B99D-B725-DDF0-6C8C89142814}"/>
               </a:ext>
             </a:extLst>
           </p:cNvPr>
@@ -8507,8 +8864,8 @@
         </p:nvSpPr>
         <p:spPr>
           <a:xfrm>
-            <a:off x="643467" y="1429860"/>
-            <a:ext cx="10905066" cy="4747103"/>
+            <a:off x="643467" y="1782981"/>
+            <a:ext cx="10905066" cy="4393982"/>
           </a:xfrm>
         </p:spPr>
         <p:txBody>
@@ -8525,7 +8882,20 @@
                 <a:latin typeface="Times New Roman"/>
                 <a:cs typeface="Calibri" panose="020F0502020204030204"/>
               </a:rPr>
-              <a:t>Use Case Diagram</a:t>
+              <a:t>Technical Feasibility</a:t>
+            </a:r>
+            <a:endParaRPr lang="en-US">
+              <a:latin typeface="Times New Roman"/>
+              <a:cs typeface="Times New Roman"/>
+            </a:endParaRPr>
+          </a:p>
+          <a:p>
+            <a:r>
+              <a:rPr lang="en-US" sz="1700" dirty="0">
+                <a:latin typeface="Times New Roman"/>
+                <a:cs typeface="Calibri" panose="020F0502020204030204"/>
+              </a:rPr>
+              <a:t>Continue here</a:t>
             </a:r>
           </a:p>
           <a:p>
@@ -8536,6 +8906,65 @@
               <a:latin typeface="Times New Roman"/>
               <a:cs typeface="Calibri" panose="020F0502020204030204"/>
             </a:endParaRPr>
+          </a:p>
+          <a:p>
+            <a:pPr marL="0" indent="0">
+              <a:buNone/>
+            </a:pPr>
+            <a:r>
+              <a:rPr lang="en-US" sz="2000" i="1" dirty="0">
+                <a:latin typeface="Times New Roman"/>
+                <a:cs typeface="Calibri" panose="020F0502020204030204"/>
+              </a:rPr>
+              <a:t>Operational Feasibility</a:t>
+            </a:r>
+            <a:endParaRPr lang="en-US">
+              <a:latin typeface="Times New Roman"/>
+              <a:cs typeface="Times New Roman"/>
+            </a:endParaRPr>
+          </a:p>
+          <a:p>
+            <a:r>
+              <a:rPr lang="en-US" sz="1700" dirty="0">
+                <a:latin typeface="Times New Roman"/>
+                <a:cs typeface="Calibri" panose="020F0502020204030204"/>
+              </a:rPr>
+              <a:t>Continue ….</a:t>
+            </a:r>
+          </a:p>
+          <a:p>
+            <a:pPr marL="0" indent="0">
+              <a:buNone/>
+            </a:pPr>
+            <a:endParaRPr lang="en-US" sz="2000" dirty="0">
+              <a:latin typeface="Times New Roman"/>
+              <a:cs typeface="Calibri" panose="020F0502020204030204"/>
+            </a:endParaRPr>
+          </a:p>
+          <a:p>
+            <a:pPr marL="0" indent="0">
+              <a:buNone/>
+            </a:pPr>
+            <a:r>
+              <a:rPr lang="en-US" sz="2000" i="1" dirty="0">
+                <a:latin typeface="Times New Roman"/>
+                <a:cs typeface="Calibri" panose="020F0502020204030204"/>
+              </a:rPr>
+              <a:t>Economic Feasibility</a:t>
+            </a:r>
+            <a:endParaRPr lang="en-US">
+              <a:latin typeface="Times New Roman"/>
+              <a:cs typeface="Times New Roman"/>
+            </a:endParaRPr>
+          </a:p>
+          <a:p>
+            <a:r>
+              <a:rPr lang="en-US" sz="1700" dirty="0">
+                <a:latin typeface="Times New Roman"/>
+                <a:cs typeface="Calibri" panose="020F0502020204030204"/>
+              </a:rPr>
+              <a:t>Continue...</a:t>
+            </a:r>
           </a:p>
         </p:txBody>
       </p:sp>
@@ -8810,7 +9239,7 @@
     </p:spTree>
     <p:extLst>
       <p:ext uri="{BB962C8B-B14F-4D97-AF65-F5344CB8AC3E}">
-        <p14:creationId xmlns:p14="http://schemas.microsoft.com/office/powerpoint/2010/main" val="438178971"/>
+        <p14:creationId xmlns:p14="http://schemas.microsoft.com/office/powerpoint/2010/main" val="1753921719"/>
       </p:ext>
     </p:extLst>
   </p:cSld>
@@ -8910,10 +9339,51 @@
       </p:sp>
       <p:sp>
         <p:nvSpPr>
+          <p:cNvPr id="2" name="Title 1">
+            <a:extLst>
+              <a:ext uri="{FF2B5EF4-FFF2-40B4-BE49-F238E27FC236}">
+                <a16:creationId xmlns:a16="http://schemas.microsoft.com/office/drawing/2014/main" id="{C83D562A-7F24-85DE-218B-8A7442150612}"/>
+              </a:ext>
+            </a:extLst>
+          </p:cNvPr>
+          <p:cNvSpPr>
+            <a:spLocks noGrp="1"/>
+          </p:cNvSpPr>
+          <p:nvPr>
+            <p:ph type="title"/>
+          </p:nvPr>
+        </p:nvSpPr>
+        <p:spPr>
+          <a:xfrm>
+            <a:off x="643467" y="321734"/>
+            <a:ext cx="10905066" cy="1135737"/>
+          </a:xfrm>
+        </p:spPr>
+        <p:txBody>
+          <a:bodyPr>
+            <a:normAutofit/>
+          </a:bodyPr>
+          <a:lstStyle/>
+          <a:p>
+            <a:r>
+              <a:rPr lang="en-US" sz="3000" b="1" dirty="0">
+                <a:latin typeface="Times New Roman"/>
+                <a:cs typeface="Times New Roman"/>
+              </a:rPr>
+              <a:t>System Design</a:t>
+            </a:r>
+            <a:endParaRPr lang="en-US" sz="3600" b="1" dirty="0">
+              <a:cs typeface="Calibri Light" panose="020F0302020204030204"/>
+            </a:endParaRPr>
+          </a:p>
+        </p:txBody>
+      </p:sp>
+      <p:sp>
+        <p:nvSpPr>
           <p:cNvPr id="3" name="Content Placeholder 2">
             <a:extLst>
               <a:ext uri="{FF2B5EF4-FFF2-40B4-BE49-F238E27FC236}">
-                <a16:creationId xmlns:a16="http://schemas.microsoft.com/office/drawing/2014/main" id="{F8ABE153-B0FD-8229-ED94-3386D1633874}"/>
+                <a16:creationId xmlns:a16="http://schemas.microsoft.com/office/drawing/2014/main" id="{2411F57C-A50E-7181-FBB7-CA5B49CD13C1}"/>
               </a:ext>
             </a:extLst>
           </p:cNvPr>
@@ -8926,12 +9396,12 @@
         </p:nvSpPr>
         <p:spPr>
           <a:xfrm>
-            <a:off x="708516" y="993103"/>
-            <a:ext cx="10905066" cy="5416177"/>
-          </a:xfrm>
-        </p:spPr>
-        <p:txBody>
-          <a:bodyPr vert="horz" lIns="91440" tIns="45720" rIns="91440" bIns="45720" rtlCol="0">
+            <a:off x="643467" y="1429860"/>
+            <a:ext cx="10905066" cy="4747103"/>
+          </a:xfrm>
+        </p:spPr>
+        <p:txBody>
+          <a:bodyPr vert="horz" lIns="91440" tIns="45720" rIns="91440" bIns="45720" rtlCol="0" anchor="t">
             <a:normAutofit/>
           </a:bodyPr>
           <a:lstStyle/>
@@ -8944,7 +9414,7 @@
                 <a:latin typeface="Times New Roman"/>
                 <a:cs typeface="Calibri" panose="020F0502020204030204"/>
               </a:rPr>
-              <a:t>Data Flow Diagram Level 0</a:t>
+              <a:t>Use Case Diagram</a:t>
             </a:r>
           </a:p>
           <a:p>
@@ -9229,7 +9699,7 @@
     </p:spTree>
     <p:extLst>
       <p:ext uri="{BB962C8B-B14F-4D97-AF65-F5344CB8AC3E}">
-        <p14:creationId xmlns:p14="http://schemas.microsoft.com/office/powerpoint/2010/main" val="134147980"/>
+        <p14:creationId xmlns:p14="http://schemas.microsoft.com/office/powerpoint/2010/main" val="438178971"/>
       </p:ext>
     </p:extLst>
   </p:cSld>
